--- a/Round 1/البروسونا.pptx
+++ b/Round 1/البروسونا.pptx
@@ -5,7 +5,7 @@
     <p:sldMasterId id="2147483648" r:id="rId1"/>
   </p:sldMasterIdLst>
   <p:notesMasterIdLst>
-    <p:notesMasterId r:id="rId9"/>
+    <p:notesMasterId r:id="rId8"/>
   </p:notesMasterIdLst>
   <p:sldIdLst>
     <p:sldId id="258" r:id="rId2"/>
@@ -13,8 +13,7 @@
     <p:sldId id="260" r:id="rId4"/>
     <p:sldId id="267" r:id="rId5"/>
     <p:sldId id="268" r:id="rId6"/>
-    <p:sldId id="266" r:id="rId7"/>
-    <p:sldId id="257" r:id="rId8"/>
+    <p:sldId id="257" r:id="rId7"/>
   </p:sldIdLst>
   <p:sldSz cx="12192000" cy="6858000"/>
   <p:notesSz cx="6858000" cy="9144000"/>
@@ -1096,273 +1095,6 @@
 </p:sldLayout>
 </file>
 
-<file path=ppt/slideLayouts/slideLayout12.xml><?xml version="1.0" encoding="utf-8"?>
-<p:sldLayout xmlns:a="http://schemas.openxmlformats.org/drawingml/2006/main" xmlns:r="http://schemas.openxmlformats.org/officeDocument/2006/relationships" xmlns:p="http://schemas.openxmlformats.org/presentationml/2006/main" type="obj">
-  <p:cSld name="1_Two Content">
-    <p:spTree>
-      <p:nvGrpSpPr>
-        <p:cNvPr id="1" name=""/>
-        <p:cNvGrpSpPr/>
-        <p:nvPr/>
-      </p:nvGrpSpPr>
-      <p:grpSpPr>
-        <a:xfrm>
-          <a:off x="0" y="0"/>
-          <a:ext cx="0" cy="0"/>
-          <a:chOff x="0" y="0"/>
-          <a:chExt cx="0" cy="0"/>
-        </a:xfrm>
-      </p:grpSpPr>
-      <p:sp>
-        <p:nvSpPr>
-          <p:cNvPr id="2" name="Holder 2"/>
-          <p:cNvSpPr>
-            <a:spLocks noGrp="1"/>
-          </p:cNvSpPr>
-          <p:nvPr>
-            <p:ph type="title"/>
-          </p:nvPr>
-        </p:nvSpPr>
-        <p:spPr/>
-        <p:txBody>
-          <a:bodyPr lIns="0" tIns="0" rIns="0" bIns="0"/>
-          <a:lstStyle>
-            <a:lvl1pPr>
-              <a:defRPr sz="2250" b="1" i="0">
-                <a:solidFill>
-                  <a:srgbClr val="333333"/>
-                </a:solidFill>
-                <a:latin typeface="Arial"/>
-                <a:cs typeface="Arial"/>
-              </a:defRPr>
-            </a:lvl1pPr>
-          </a:lstStyle>
-          <a:p>
-            <a:endParaRPr/>
-          </a:p>
-        </p:txBody>
-      </p:sp>
-      <p:sp>
-        <p:nvSpPr>
-          <p:cNvPr id="3" name="Holder 3"/>
-          <p:cNvSpPr>
-            <a:spLocks noGrp="1"/>
-          </p:cNvSpPr>
-          <p:nvPr>
-            <p:ph sz="half" idx="2"/>
-          </p:nvPr>
-        </p:nvSpPr>
-        <p:spPr>
-          <a:xfrm>
-            <a:off x="609600" y="1630295"/>
-            <a:ext cx="5303520" cy="390300"/>
-          </a:xfrm>
-          <a:prstGeom prst="rect">
-            <a:avLst/>
-          </a:prstGeom>
-        </p:spPr>
-        <p:txBody>
-          <a:bodyPr wrap="square" lIns="0" tIns="0" rIns="0" bIns="0">
-            <a:spAutoFit/>
-          </a:bodyPr>
-          <a:lstStyle>
-            <a:lvl1pPr>
-              <a:defRPr/>
-            </a:lvl1pPr>
-          </a:lstStyle>
-          <a:p>
-            <a:endParaRPr/>
-          </a:p>
-        </p:txBody>
-      </p:sp>
-      <p:sp>
-        <p:nvSpPr>
-          <p:cNvPr id="4" name="Holder 4"/>
-          <p:cNvSpPr>
-            <a:spLocks noGrp="1"/>
-          </p:cNvSpPr>
-          <p:nvPr>
-            <p:ph sz="half" idx="3"/>
-          </p:nvPr>
-        </p:nvSpPr>
-        <p:spPr>
-          <a:xfrm>
-            <a:off x="6278880" y="1630295"/>
-            <a:ext cx="5303520" cy="390300"/>
-          </a:xfrm>
-          <a:prstGeom prst="rect">
-            <a:avLst/>
-          </a:prstGeom>
-        </p:spPr>
-        <p:txBody>
-          <a:bodyPr wrap="square" lIns="0" tIns="0" rIns="0" bIns="0">
-            <a:spAutoFit/>
-          </a:bodyPr>
-          <a:lstStyle>
-            <a:lvl1pPr>
-              <a:defRPr/>
-            </a:lvl1pPr>
-          </a:lstStyle>
-          <a:p>
-            <a:endParaRPr/>
-          </a:p>
-        </p:txBody>
-      </p:sp>
-      <p:sp>
-        <p:nvSpPr>
-          <p:cNvPr id="5" name="Holder 5"/>
-          <p:cNvSpPr>
-            <a:spLocks noGrp="1"/>
-          </p:cNvSpPr>
-          <p:nvPr>
-            <p:ph type="ftr" sz="quarter" idx="5"/>
-          </p:nvPr>
-        </p:nvSpPr>
-        <p:spPr/>
-        <p:txBody>
-          <a:bodyPr lIns="0" tIns="0" rIns="0" bIns="0"/>
-          <a:lstStyle>
-            <a:lvl1pPr>
-              <a:defRPr sz="900" b="0" i="0">
-                <a:solidFill>
-                  <a:schemeClr val="bg1"/>
-                </a:solidFill>
-                <a:latin typeface="Calibri"/>
-                <a:cs typeface="Calibri"/>
-              </a:defRPr>
-            </a:lvl1pPr>
-          </a:lstStyle>
-          <a:p>
-            <a:pPr marL="12700">
-              <a:lnSpc>
-                <a:spcPts val="860"/>
-              </a:lnSpc>
-            </a:pPr>
-            <a:r>
-              <a:rPr lang="en-US" spc="-10"/>
-              <a:t>Made </a:t>
-            </a:r>
-            <a:r>
-              <a:rPr lang="en-US"/>
-              <a:t>with</a:t>
-            </a:r>
-            <a:r>
-              <a:rPr lang="en-US" spc="-5"/>
-              <a:t> </a:t>
-            </a:r>
-            <a:r>
-              <a:rPr lang="en-US" spc="-10"/>
-              <a:t>Genspark</a:t>
-            </a:r>
-            <a:endParaRPr lang="en-US" spc="-10" dirty="0"/>
-          </a:p>
-        </p:txBody>
-      </p:sp>
-      <p:sp>
-        <p:nvSpPr>
-          <p:cNvPr id="6" name="Holder 6"/>
-          <p:cNvSpPr>
-            <a:spLocks noGrp="1"/>
-          </p:cNvSpPr>
-          <p:nvPr>
-            <p:ph type="dt" sz="half" idx="6"/>
-          </p:nvPr>
-        </p:nvSpPr>
-        <p:spPr/>
-        <p:txBody>
-          <a:bodyPr lIns="0" tIns="0" rIns="0" bIns="0"/>
-          <a:lstStyle>
-            <a:lvl1pPr algn="l">
-              <a:defRPr>
-                <a:solidFill>
-                  <a:schemeClr val="tx1">
-                    <a:tint val="75000"/>
-                  </a:schemeClr>
-                </a:solidFill>
-              </a:defRPr>
-            </a:lvl1pPr>
-          </a:lstStyle>
-          <a:p>
-            <a:fld id="{1D8BD707-D9CF-40AE-B4C6-C98DA3205C09}" type="datetimeFigureOut">
-              <a:rPr lang="en-US"/>
-              <a:t>9/4/2025</a:t>
-            </a:fld>
-            <a:endParaRPr lang="en-US"/>
-          </a:p>
-        </p:txBody>
-      </p:sp>
-      <p:sp>
-        <p:nvSpPr>
-          <p:cNvPr id="7" name="Holder 7"/>
-          <p:cNvSpPr>
-            <a:spLocks noGrp="1"/>
-          </p:cNvSpPr>
-          <p:nvPr>
-            <p:ph type="sldNum" sz="quarter" idx="7"/>
-          </p:nvPr>
-        </p:nvSpPr>
-        <p:spPr/>
-        <p:txBody>
-          <a:bodyPr lIns="0" tIns="0" rIns="0" bIns="0"/>
-          <a:lstStyle>
-            <a:lvl1pPr>
-              <a:defRPr sz="1050" b="0" i="0">
-                <a:solidFill>
-                  <a:srgbClr val="6A7280"/>
-                </a:solidFill>
-                <a:latin typeface="Calibri"/>
-                <a:cs typeface="Calibri"/>
-              </a:defRPr>
-            </a:lvl1pPr>
-          </a:lstStyle>
-          <a:p>
-            <a:pPr marL="12700">
-              <a:lnSpc>
-                <a:spcPts val="985"/>
-              </a:lnSpc>
-            </a:pPr>
-            <a:r>
-              <a:rPr lang="en-US"/>
-              <a:t>20</a:t>
-            </a:r>
-            <a:r>
-              <a:rPr lang="en-US" spc="-25"/>
-              <a:t> </a:t>
-            </a:r>
-            <a:r>
-              <a:rPr lang="en-US"/>
-              <a:t>/</a:t>
-            </a:r>
-            <a:r>
-              <a:rPr lang="en-US" spc="-15"/>
-              <a:t> </a:t>
-            </a:r>
-            <a:fld id="{81D60167-4931-47E6-BA6A-407CBD079E47}" type="slidenum">
-              <a:rPr spc="-50" smtClean="0"/>
-              <a:pPr marL="12700">
-                <a:lnSpc>
-                  <a:spcPts val="985"/>
-                </a:lnSpc>
-              </a:pPr>
-              <a:t>‹#›</a:t>
-            </a:fld>
-            <a:endParaRPr spc="-50" dirty="0"/>
-          </a:p>
-        </p:txBody>
-      </p:sp>
-    </p:spTree>
-    <p:extLst>
-      <p:ext uri="{BB962C8B-B14F-4D97-AF65-F5344CB8AC3E}">
-        <p14:creationId xmlns:p14="http://schemas.microsoft.com/office/powerpoint/2010/main" val="3281591924"/>
-      </p:ext>
-    </p:extLst>
-  </p:cSld>
-  <p:clrMapOvr>
-    <a:masterClrMapping/>
-  </p:clrMapOvr>
-</p:sldLayout>
-</file>
-
 <file path=ppt/slideLayouts/slideLayout2.xml><?xml version="1.0" encoding="utf-8"?>
 <p:sldLayout xmlns:a="http://schemas.openxmlformats.org/drawingml/2006/main" xmlns:r="http://schemas.openxmlformats.org/officeDocument/2006/relationships" xmlns:p="http://schemas.openxmlformats.org/presentationml/2006/main" type="obj" preserve="1">
   <p:cSld name="Title and Content">
@@ -3650,7 +3382,6 @@
     <p:sldLayoutId id="2147483657" r:id="rId9"/>
     <p:sldLayoutId id="2147483658" r:id="rId10"/>
     <p:sldLayoutId id="2147483659" r:id="rId11"/>
-    <p:sldLayoutId id="2147483660" r:id="rId12"/>
   </p:sldLayoutIdLst>
   <p:txStyles>
     <p:titleStyle>
@@ -13684,4010 +13415,6 @@
 </file>
 
 <file path=ppt/slides/slide6.xml><?xml version="1.0" encoding="utf-8"?>
-<p:sld xmlns:a="http://schemas.openxmlformats.org/drawingml/2006/main" xmlns:r="http://schemas.openxmlformats.org/officeDocument/2006/relationships" xmlns:p="http://schemas.openxmlformats.org/presentationml/2006/main">
-  <p:cSld>
-    <p:spTree>
-      <p:nvGrpSpPr>
-        <p:cNvPr id="1" name=""/>
-        <p:cNvGrpSpPr/>
-        <p:nvPr/>
-      </p:nvGrpSpPr>
-      <p:grpSpPr>
-        <a:xfrm>
-          <a:off x="0" y="0"/>
-          <a:ext cx="0" cy="0"/>
-          <a:chOff x="0" y="0"/>
-          <a:chExt cx="0" cy="0"/>
-        </a:xfrm>
-      </p:grpSpPr>
-      <p:sp>
-        <p:nvSpPr>
-          <p:cNvPr id="2" name="object 2"/>
-          <p:cNvSpPr/>
-          <p:nvPr/>
-        </p:nvSpPr>
-        <p:spPr>
-          <a:xfrm>
-            <a:off x="5486399" y="724693"/>
-            <a:ext cx="1219200" cy="38100"/>
-          </a:xfrm>
-          <a:custGeom>
-            <a:avLst/>
-            <a:gdLst/>
-            <a:ahLst/>
-            <a:cxnLst/>
-            <a:rect l="l" t="t" r="r" b="b"/>
-            <a:pathLst>
-              <a:path w="1219200" h="38100">
-                <a:moveTo>
-                  <a:pt x="1219199" y="38099"/>
-                </a:moveTo>
-                <a:lnTo>
-                  <a:pt x="0" y="38099"/>
-                </a:lnTo>
-                <a:lnTo>
-                  <a:pt x="0" y="0"/>
-                </a:lnTo>
-                <a:lnTo>
-                  <a:pt x="1219199" y="0"/>
-                </a:lnTo>
-                <a:lnTo>
-                  <a:pt x="1219199" y="38099"/>
-                </a:lnTo>
-                <a:close/>
-              </a:path>
-            </a:pathLst>
-          </a:custGeom>
-          <a:solidFill>
-            <a:srgbClr val="7C3AEC"/>
-          </a:solidFill>
-        </p:spPr>
-        <p:txBody>
-          <a:bodyPr wrap="square" lIns="0" tIns="0" rIns="0" bIns="0" rtlCol="0"/>
-          <a:lstStyle/>
-          <a:p>
-            <a:endParaRPr/>
-          </a:p>
-        </p:txBody>
-      </p:sp>
-      <p:sp>
-        <p:nvSpPr>
-          <p:cNvPr id="3" name="object 3"/>
-          <p:cNvSpPr txBox="1">
-            <a:spLocks noGrp="1"/>
-          </p:cNvSpPr>
-          <p:nvPr>
-            <p:ph type="title"/>
-          </p:nvPr>
-        </p:nvSpPr>
-        <p:spPr>
-          <a:xfrm>
-            <a:off x="4497089" y="216694"/>
-            <a:ext cx="3197860" cy="368300"/>
-          </a:xfrm>
-          <a:prstGeom prst="rect">
-            <a:avLst/>
-          </a:prstGeom>
-        </p:spPr>
-        <p:txBody>
-          <a:bodyPr vert="horz" wrap="square" lIns="0" tIns="12700" rIns="0" bIns="0" rtlCol="0" anchor="ctr">
-            <a:spAutoFit/>
-          </a:bodyPr>
-          <a:lstStyle/>
-          <a:p>
-            <a:pPr marL="12700" marR="5080" algn="r">
-              <a:lnSpc>
-                <a:spcPct val="100000"/>
-              </a:lnSpc>
-              <a:spcBef>
-                <a:spcPts val="100"/>
-              </a:spcBef>
-            </a:pPr>
-            <a:r>
-              <a:rPr spc="290" dirty="0"/>
-              <a:t>ﻢﻋﺪﻟاو</a:t>
-            </a:r>
-            <a:r>
-              <a:rPr spc="-65" dirty="0"/>
-              <a:t> </a:t>
-            </a:r>
-            <a:r>
-              <a:rPr spc="325" dirty="0"/>
-              <a:t>ﻞﺻاﻮﺘﻟا</a:t>
-            </a:r>
-            <a:r>
-              <a:rPr spc="-60" dirty="0"/>
-              <a:t> </a:t>
-            </a:r>
-            <a:r>
-              <a:rPr spc="390" dirty="0"/>
-              <a:t>تﺎﻣﻮﻠﻌﻣ</a:t>
-            </a:r>
-          </a:p>
-        </p:txBody>
-      </p:sp>
-      <p:grpSp>
-        <p:nvGrpSpPr>
-          <p:cNvPr id="4" name="object 4"/>
-          <p:cNvGrpSpPr/>
-          <p:nvPr/>
-        </p:nvGrpSpPr>
-        <p:grpSpPr>
-          <a:xfrm>
-            <a:off x="8077198" y="1181893"/>
-            <a:ext cx="3505200" cy="2095500"/>
-            <a:chOff x="8077198" y="1181099"/>
-            <a:chExt cx="3505200" cy="2095500"/>
-          </a:xfrm>
-        </p:grpSpPr>
-        <p:sp>
-          <p:nvSpPr>
-            <p:cNvPr id="5" name="object 5"/>
-            <p:cNvSpPr/>
-            <p:nvPr/>
-          </p:nvSpPr>
-          <p:spPr>
-            <a:xfrm>
-              <a:off x="8077198" y="1181099"/>
-              <a:ext cx="3505200" cy="2095500"/>
-            </a:xfrm>
-            <a:custGeom>
-              <a:avLst/>
-              <a:gdLst/>
-              <a:ahLst/>
-              <a:cxnLst/>
-              <a:rect l="l" t="t" r="r" b="b"/>
-              <a:pathLst>
-                <a:path w="3505200" h="2095500">
-                  <a:moveTo>
-                    <a:pt x="3434003" y="2095499"/>
-                  </a:moveTo>
-                  <a:lnTo>
-                    <a:pt x="71196" y="2095499"/>
-                  </a:lnTo>
-                  <a:lnTo>
-                    <a:pt x="66241" y="2095011"/>
-                  </a:lnTo>
-                  <a:lnTo>
-                    <a:pt x="29703" y="2079877"/>
-                  </a:lnTo>
-                  <a:lnTo>
-                    <a:pt x="3885" y="2043837"/>
-                  </a:lnTo>
-                  <a:lnTo>
-                    <a:pt x="0" y="2024303"/>
-                  </a:lnTo>
-                  <a:lnTo>
-                    <a:pt x="0" y="2019299"/>
-                  </a:lnTo>
-                  <a:lnTo>
-                    <a:pt x="0" y="71196"/>
-                  </a:lnTo>
-                  <a:lnTo>
-                    <a:pt x="15620" y="29705"/>
-                  </a:lnTo>
-                  <a:lnTo>
-                    <a:pt x="51661" y="3885"/>
-                  </a:lnTo>
-                  <a:lnTo>
-                    <a:pt x="71196" y="0"/>
-                  </a:lnTo>
-                  <a:lnTo>
-                    <a:pt x="3434003" y="0"/>
-                  </a:lnTo>
-                  <a:lnTo>
-                    <a:pt x="3475492" y="15621"/>
-                  </a:lnTo>
-                  <a:lnTo>
-                    <a:pt x="3501312" y="51661"/>
-                  </a:lnTo>
-                  <a:lnTo>
-                    <a:pt x="3505199" y="71196"/>
-                  </a:lnTo>
-                  <a:lnTo>
-                    <a:pt x="3505199" y="2024303"/>
-                  </a:lnTo>
-                  <a:lnTo>
-                    <a:pt x="3489576" y="2065794"/>
-                  </a:lnTo>
-                  <a:lnTo>
-                    <a:pt x="3453537" y="2091614"/>
-                  </a:lnTo>
-                  <a:lnTo>
-                    <a:pt x="3438957" y="2095011"/>
-                  </a:lnTo>
-                  <a:lnTo>
-                    <a:pt x="3434003" y="2095499"/>
-                  </a:lnTo>
-                  <a:close/>
-                </a:path>
-              </a:pathLst>
-            </a:custGeom>
-            <a:solidFill>
-              <a:srgbClr val="EFF5FF"/>
-            </a:solidFill>
-          </p:spPr>
-          <p:txBody>
-            <a:bodyPr wrap="square" lIns="0" tIns="0" rIns="0" bIns="0" rtlCol="0"/>
-            <a:lstStyle/>
-            <a:p>
-              <a:endParaRPr/>
-            </a:p>
-          </p:txBody>
-        </p:sp>
-        <p:sp>
-          <p:nvSpPr>
-            <p:cNvPr id="6" name="object 6"/>
-            <p:cNvSpPr/>
-            <p:nvPr/>
-          </p:nvSpPr>
-          <p:spPr>
-            <a:xfrm>
-              <a:off x="9524998" y="1371599"/>
-              <a:ext cx="609600" cy="609600"/>
-            </a:xfrm>
-            <a:custGeom>
-              <a:avLst/>
-              <a:gdLst/>
-              <a:ahLst/>
-              <a:cxnLst/>
-              <a:rect l="l" t="t" r="r" b="b"/>
-              <a:pathLst>
-                <a:path w="609600" h="609600">
-                  <a:moveTo>
-                    <a:pt x="304799" y="609599"/>
-                  </a:moveTo>
-                  <a:lnTo>
-                    <a:pt x="260075" y="606300"/>
-                  </a:lnTo>
-                  <a:lnTo>
-                    <a:pt x="216320" y="596475"/>
-                  </a:lnTo>
-                  <a:lnTo>
-                    <a:pt x="174480" y="580335"/>
-                  </a:lnTo>
-                  <a:lnTo>
-                    <a:pt x="135460" y="558231"/>
-                  </a:lnTo>
-                  <a:lnTo>
-                    <a:pt x="100108" y="530641"/>
-                  </a:lnTo>
-                  <a:lnTo>
-                    <a:pt x="69185" y="498162"/>
-                  </a:lnTo>
-                  <a:lnTo>
-                    <a:pt x="43363" y="461498"/>
-                  </a:lnTo>
-                  <a:lnTo>
-                    <a:pt x="23199" y="421441"/>
-                  </a:lnTo>
-                  <a:lnTo>
-                    <a:pt x="9132" y="378860"/>
-                  </a:lnTo>
-                  <a:lnTo>
-                    <a:pt x="1467" y="334675"/>
-                  </a:lnTo>
-                  <a:lnTo>
-                    <a:pt x="0" y="304799"/>
-                  </a:lnTo>
-                  <a:lnTo>
-                    <a:pt x="366" y="289844"/>
-                  </a:lnTo>
-                  <a:lnTo>
-                    <a:pt x="5854" y="245336"/>
-                  </a:lnTo>
-                  <a:lnTo>
-                    <a:pt x="17815" y="202115"/>
-                  </a:lnTo>
-                  <a:lnTo>
-                    <a:pt x="35989" y="161118"/>
-                  </a:lnTo>
-                  <a:lnTo>
-                    <a:pt x="59981" y="123230"/>
-                  </a:lnTo>
-                  <a:lnTo>
-                    <a:pt x="89273" y="89273"/>
-                  </a:lnTo>
-                  <a:lnTo>
-                    <a:pt x="123230" y="59982"/>
-                  </a:lnTo>
-                  <a:lnTo>
-                    <a:pt x="161117" y="35990"/>
-                  </a:lnTo>
-                  <a:lnTo>
-                    <a:pt x="202114" y="17817"/>
-                  </a:lnTo>
-                  <a:lnTo>
-                    <a:pt x="245335" y="5856"/>
-                  </a:lnTo>
-                  <a:lnTo>
-                    <a:pt x="289844" y="366"/>
-                  </a:lnTo>
-                  <a:lnTo>
-                    <a:pt x="304799" y="0"/>
-                  </a:lnTo>
-                  <a:lnTo>
-                    <a:pt x="319756" y="366"/>
-                  </a:lnTo>
-                  <a:lnTo>
-                    <a:pt x="364262" y="5856"/>
-                  </a:lnTo>
-                  <a:lnTo>
-                    <a:pt x="407483" y="17817"/>
-                  </a:lnTo>
-                  <a:lnTo>
-                    <a:pt x="448481" y="35990"/>
-                  </a:lnTo>
-                  <a:lnTo>
-                    <a:pt x="486368" y="59982"/>
-                  </a:lnTo>
-                  <a:lnTo>
-                    <a:pt x="520325" y="89273"/>
-                  </a:lnTo>
-                  <a:lnTo>
-                    <a:pt x="549616" y="123230"/>
-                  </a:lnTo>
-                  <a:lnTo>
-                    <a:pt x="573609" y="161118"/>
-                  </a:lnTo>
-                  <a:lnTo>
-                    <a:pt x="591781" y="202115"/>
-                  </a:lnTo>
-                  <a:lnTo>
-                    <a:pt x="603742" y="245336"/>
-                  </a:lnTo>
-                  <a:lnTo>
-                    <a:pt x="609232" y="289844"/>
-                  </a:lnTo>
-                  <a:lnTo>
-                    <a:pt x="609599" y="304799"/>
-                  </a:lnTo>
-                  <a:lnTo>
-                    <a:pt x="609232" y="319755"/>
-                  </a:lnTo>
-                  <a:lnTo>
-                    <a:pt x="603742" y="364263"/>
-                  </a:lnTo>
-                  <a:lnTo>
-                    <a:pt x="591782" y="407483"/>
-                  </a:lnTo>
-                  <a:lnTo>
-                    <a:pt x="573609" y="448481"/>
-                  </a:lnTo>
-                  <a:lnTo>
-                    <a:pt x="549616" y="486368"/>
-                  </a:lnTo>
-                  <a:lnTo>
-                    <a:pt x="520325" y="520325"/>
-                  </a:lnTo>
-                  <a:lnTo>
-                    <a:pt x="486367" y="549617"/>
-                  </a:lnTo>
-                  <a:lnTo>
-                    <a:pt x="448481" y="573609"/>
-                  </a:lnTo>
-                  <a:lnTo>
-                    <a:pt x="407483" y="591782"/>
-                  </a:lnTo>
-                  <a:lnTo>
-                    <a:pt x="364262" y="603743"/>
-                  </a:lnTo>
-                  <a:lnTo>
-                    <a:pt x="319756" y="609233"/>
-                  </a:lnTo>
-                  <a:lnTo>
-                    <a:pt x="304799" y="609599"/>
-                  </a:lnTo>
-                  <a:close/>
-                </a:path>
-              </a:pathLst>
-            </a:custGeom>
-            <a:solidFill>
-              <a:srgbClr val="DAE9FE"/>
-            </a:solidFill>
-          </p:spPr>
-          <p:txBody>
-            <a:bodyPr wrap="square" lIns="0" tIns="0" rIns="0" bIns="0" rtlCol="0"/>
-            <a:lstStyle/>
-            <a:p>
-              <a:endParaRPr/>
-            </a:p>
-          </p:txBody>
-        </p:sp>
-        <p:sp>
-          <p:nvSpPr>
-            <p:cNvPr id="7" name="object 7"/>
-            <p:cNvSpPr/>
-            <p:nvPr/>
-          </p:nvSpPr>
-          <p:spPr>
-            <a:xfrm>
-              <a:off x="9696449" y="1576387"/>
-              <a:ext cx="266700" cy="200025"/>
-            </a:xfrm>
-            <a:custGeom>
-              <a:avLst/>
-              <a:gdLst/>
-              <a:ahLst/>
-              <a:cxnLst/>
-              <a:rect l="l" t="t" r="r" b="b"/>
-              <a:pathLst>
-                <a:path w="266700" h="200025">
-                  <a:moveTo>
-                    <a:pt x="137413" y="134443"/>
-                  </a:moveTo>
-                  <a:lnTo>
-                    <a:pt x="129286" y="134443"/>
-                  </a:lnTo>
-                  <a:lnTo>
-                    <a:pt x="3698" y="40265"/>
-                  </a:lnTo>
-                  <a:lnTo>
-                    <a:pt x="0" y="32868"/>
-                  </a:lnTo>
-                  <a:lnTo>
-                    <a:pt x="0" y="25003"/>
-                  </a:lnTo>
-                  <a:lnTo>
-                    <a:pt x="1965" y="15272"/>
-                  </a:lnTo>
-                  <a:lnTo>
-                    <a:pt x="7325" y="7325"/>
-                  </a:lnTo>
-                  <a:lnTo>
-                    <a:pt x="15272" y="1965"/>
-                  </a:lnTo>
-                  <a:lnTo>
-                    <a:pt x="25003" y="0"/>
-                  </a:lnTo>
-                  <a:lnTo>
-                    <a:pt x="241696" y="0"/>
-                  </a:lnTo>
-                  <a:lnTo>
-                    <a:pt x="251427" y="1965"/>
-                  </a:lnTo>
-                  <a:lnTo>
-                    <a:pt x="259374" y="7325"/>
-                  </a:lnTo>
-                  <a:lnTo>
-                    <a:pt x="264734" y="15272"/>
-                  </a:lnTo>
-                  <a:lnTo>
-                    <a:pt x="266700" y="25003"/>
-                  </a:lnTo>
-                  <a:lnTo>
-                    <a:pt x="266700" y="32868"/>
-                  </a:lnTo>
-                  <a:lnTo>
-                    <a:pt x="263001" y="40265"/>
-                  </a:lnTo>
-                  <a:lnTo>
-                    <a:pt x="137413" y="134443"/>
-                  </a:lnTo>
-                  <a:close/>
-                </a:path>
-                <a:path w="266700" h="200025">
-                  <a:moveTo>
-                    <a:pt x="233362" y="200025"/>
-                  </a:moveTo>
-                  <a:lnTo>
-                    <a:pt x="33337" y="200025"/>
-                  </a:lnTo>
-                  <a:lnTo>
-                    <a:pt x="20371" y="197401"/>
-                  </a:lnTo>
-                  <a:lnTo>
-                    <a:pt x="9773" y="190251"/>
-                  </a:lnTo>
-                  <a:lnTo>
-                    <a:pt x="2623" y="179653"/>
-                  </a:lnTo>
-                  <a:lnTo>
-                    <a:pt x="0" y="166687"/>
-                  </a:lnTo>
-                  <a:lnTo>
-                    <a:pt x="0" y="58340"/>
-                  </a:lnTo>
-                  <a:lnTo>
-                    <a:pt x="113347" y="143351"/>
-                  </a:lnTo>
-                  <a:lnTo>
-                    <a:pt x="122938" y="148361"/>
-                  </a:lnTo>
-                  <a:lnTo>
-                    <a:pt x="133350" y="150031"/>
-                  </a:lnTo>
-                  <a:lnTo>
-                    <a:pt x="266700" y="150031"/>
-                  </a:lnTo>
-                  <a:lnTo>
-                    <a:pt x="266700" y="166687"/>
-                  </a:lnTo>
-                  <a:lnTo>
-                    <a:pt x="264076" y="179653"/>
-                  </a:lnTo>
-                  <a:lnTo>
-                    <a:pt x="256926" y="190251"/>
-                  </a:lnTo>
-                  <a:lnTo>
-                    <a:pt x="246328" y="197401"/>
-                  </a:lnTo>
-                  <a:lnTo>
-                    <a:pt x="233362" y="200025"/>
-                  </a:lnTo>
-                  <a:close/>
-                </a:path>
-                <a:path w="266700" h="200025">
-                  <a:moveTo>
-                    <a:pt x="266700" y="150031"/>
-                  </a:moveTo>
-                  <a:lnTo>
-                    <a:pt x="133350" y="150031"/>
-                  </a:lnTo>
-                  <a:lnTo>
-                    <a:pt x="143761" y="148361"/>
-                  </a:lnTo>
-                  <a:lnTo>
-                    <a:pt x="153352" y="143351"/>
-                  </a:lnTo>
-                  <a:lnTo>
-                    <a:pt x="266700" y="58340"/>
-                  </a:lnTo>
-                  <a:lnTo>
-                    <a:pt x="266700" y="150031"/>
-                  </a:lnTo>
-                  <a:close/>
-                </a:path>
-              </a:pathLst>
-            </a:custGeom>
-            <a:solidFill>
-              <a:srgbClr val="2562EB"/>
-            </a:solidFill>
-          </p:spPr>
-          <p:txBody>
-            <a:bodyPr wrap="square" lIns="0" tIns="0" rIns="0" bIns="0" rtlCol="0"/>
-            <a:lstStyle/>
-            <a:p>
-              <a:endParaRPr/>
-            </a:p>
-          </p:txBody>
-        </p:sp>
-      </p:grpSp>
-      <p:sp>
-        <p:nvSpPr>
-          <p:cNvPr id="8" name="object 8"/>
-          <p:cNvSpPr txBox="1"/>
-          <p:nvPr/>
-        </p:nvSpPr>
-        <p:spPr>
-          <a:xfrm>
-            <a:off x="9160023" y="2093119"/>
-            <a:ext cx="1339850" cy="243656"/>
-          </a:xfrm>
-          <a:prstGeom prst="rect">
-            <a:avLst/>
-          </a:prstGeom>
-        </p:spPr>
-        <p:txBody>
-          <a:bodyPr vert="horz" wrap="square" lIns="0" tIns="12700" rIns="0" bIns="0" rtlCol="0">
-            <a:spAutoFit/>
-          </a:bodyPr>
-          <a:lstStyle/>
-          <a:p>
-            <a:pPr marL="12700" marR="5080" algn="r">
-              <a:spcBef>
-                <a:spcPts val="100"/>
-              </a:spcBef>
-            </a:pPr>
-            <a:r>
-              <a:rPr sz="1500" b="1" spc="160" dirty="0">
-                <a:solidFill>
-                  <a:srgbClr val="1C4ED8"/>
-                </a:solidFill>
-                <a:latin typeface="Arial"/>
-                <a:cs typeface="Arial"/>
-              </a:rPr>
-              <a:t>ﻲﻧوﺮﺘﻜﻟﻹا</a:t>
-            </a:r>
-            <a:r>
-              <a:rPr sz="1500" b="1" spc="-70" dirty="0">
-                <a:solidFill>
-                  <a:srgbClr val="1C4ED8"/>
-                </a:solidFill>
-                <a:latin typeface="Arial"/>
-                <a:cs typeface="Arial"/>
-              </a:rPr>
-              <a:t> </a:t>
-            </a:r>
-            <a:r>
-              <a:rPr sz="1500" b="1" spc="135" dirty="0">
-                <a:solidFill>
-                  <a:srgbClr val="1C4ED8"/>
-                </a:solidFill>
-                <a:latin typeface="Arial"/>
-                <a:cs typeface="Arial"/>
-              </a:rPr>
-              <a:t>ﺪﻳﺮﺒﻟا</a:t>
-            </a:r>
-            <a:endParaRPr sz="1500">
-              <a:latin typeface="Arial"/>
-              <a:cs typeface="Arial"/>
-            </a:endParaRPr>
-          </a:p>
-        </p:txBody>
-      </p:sp>
-      <p:sp>
-        <p:nvSpPr>
-          <p:cNvPr id="9" name="object 9"/>
-          <p:cNvSpPr txBox="1"/>
-          <p:nvPr/>
-        </p:nvSpPr>
-        <p:spPr>
-          <a:xfrm>
-            <a:off x="9012982" y="2493170"/>
-            <a:ext cx="1633855" cy="220573"/>
-          </a:xfrm>
-          <a:prstGeom prst="rect">
-            <a:avLst/>
-          </a:prstGeom>
-        </p:spPr>
-        <p:txBody>
-          <a:bodyPr vert="horz" wrap="square" lIns="0" tIns="12700" rIns="0" bIns="0" rtlCol="0">
-            <a:spAutoFit/>
-          </a:bodyPr>
-          <a:lstStyle/>
-          <a:p>
-            <a:pPr marL="12700" marR="5080" algn="r">
-              <a:spcBef>
-                <a:spcPts val="100"/>
-              </a:spcBef>
-            </a:pPr>
-            <a:r>
-              <a:rPr sz="1350" spc="135" dirty="0">
-                <a:solidFill>
-                  <a:srgbClr val="333333"/>
-                </a:solidFill>
-                <a:latin typeface="Calibri"/>
-                <a:cs typeface="Calibri"/>
-              </a:rPr>
-              <a:t>ﺔﻠﺌﺳﻷاو</a:t>
-            </a:r>
-            <a:r>
-              <a:rPr sz="1350" spc="35" dirty="0">
-                <a:solidFill>
-                  <a:srgbClr val="333333"/>
-                </a:solidFill>
-                <a:latin typeface="Calibri"/>
-                <a:cs typeface="Calibri"/>
-              </a:rPr>
-              <a:t> </a:t>
-            </a:r>
-            <a:r>
-              <a:rPr sz="1350" spc="135" dirty="0">
-                <a:solidFill>
-                  <a:srgbClr val="333333"/>
-                </a:solidFill>
-                <a:latin typeface="Calibri"/>
-                <a:cs typeface="Calibri"/>
-              </a:rPr>
-              <a:t>تارﺎﺴﻔﺘﺳﻼﻟ</a:t>
-            </a:r>
-            <a:endParaRPr sz="1350">
-              <a:latin typeface="Calibri"/>
-              <a:cs typeface="Calibri"/>
-            </a:endParaRPr>
-          </a:p>
-        </p:txBody>
-      </p:sp>
-      <p:sp>
-        <p:nvSpPr>
-          <p:cNvPr id="10" name="object 10"/>
-          <p:cNvSpPr txBox="1"/>
-          <p:nvPr/>
-        </p:nvSpPr>
-        <p:spPr>
-          <a:xfrm>
-            <a:off x="9125644" y="2826544"/>
-            <a:ext cx="1408430" cy="197490"/>
-          </a:xfrm>
-          <a:prstGeom prst="rect">
-            <a:avLst/>
-          </a:prstGeom>
-        </p:spPr>
-        <p:txBody>
-          <a:bodyPr vert="horz" wrap="square" lIns="0" tIns="12700" rIns="0" bIns="0" rtlCol="0">
-            <a:spAutoFit/>
-          </a:bodyPr>
-          <a:lstStyle/>
-          <a:p>
-            <a:pPr marL="12700">
-              <a:spcBef>
-                <a:spcPts val="100"/>
-              </a:spcBef>
-            </a:pPr>
-            <a:r>
-              <a:rPr sz="1200" b="1" spc="-60" dirty="0">
-                <a:solidFill>
-                  <a:srgbClr val="2562EB"/>
-                </a:solidFill>
-                <a:latin typeface="Arial"/>
-                <a:cs typeface="Arial"/>
-                <a:hlinkClick r:id="rId2"/>
-              </a:rPr>
-              <a:t>email@example.com</a:t>
-            </a:r>
-            <a:endParaRPr sz="1200">
-              <a:latin typeface="Arial"/>
-              <a:cs typeface="Arial"/>
-            </a:endParaRPr>
-          </a:p>
-        </p:txBody>
-      </p:sp>
-      <p:grpSp>
-        <p:nvGrpSpPr>
-          <p:cNvPr id="11" name="object 11"/>
-          <p:cNvGrpSpPr/>
-          <p:nvPr/>
-        </p:nvGrpSpPr>
-        <p:grpSpPr>
-          <a:xfrm>
-            <a:off x="4343399" y="1181893"/>
-            <a:ext cx="3505200" cy="2095500"/>
-            <a:chOff x="4343399" y="1181099"/>
-            <a:chExt cx="3505200" cy="2095500"/>
-          </a:xfrm>
-        </p:grpSpPr>
-        <p:sp>
-          <p:nvSpPr>
-            <p:cNvPr id="12" name="object 12"/>
-            <p:cNvSpPr/>
-            <p:nvPr/>
-          </p:nvSpPr>
-          <p:spPr>
-            <a:xfrm>
-              <a:off x="4343399" y="1181099"/>
-              <a:ext cx="3505200" cy="2095500"/>
-            </a:xfrm>
-            <a:custGeom>
-              <a:avLst/>
-              <a:gdLst/>
-              <a:ahLst/>
-              <a:cxnLst/>
-              <a:rect l="l" t="t" r="r" b="b"/>
-              <a:pathLst>
-                <a:path w="3505200" h="2095500">
-                  <a:moveTo>
-                    <a:pt x="3434002" y="2095499"/>
-                  </a:moveTo>
-                  <a:lnTo>
-                    <a:pt x="71196" y="2095499"/>
-                  </a:lnTo>
-                  <a:lnTo>
-                    <a:pt x="66241" y="2095011"/>
-                  </a:lnTo>
-                  <a:lnTo>
-                    <a:pt x="29705" y="2079877"/>
-                  </a:lnTo>
-                  <a:lnTo>
-                    <a:pt x="3885" y="2043837"/>
-                  </a:lnTo>
-                  <a:lnTo>
-                    <a:pt x="0" y="2024303"/>
-                  </a:lnTo>
-                  <a:lnTo>
-                    <a:pt x="0" y="2019299"/>
-                  </a:lnTo>
-                  <a:lnTo>
-                    <a:pt x="0" y="71196"/>
-                  </a:lnTo>
-                  <a:lnTo>
-                    <a:pt x="15621" y="29705"/>
-                  </a:lnTo>
-                  <a:lnTo>
-                    <a:pt x="51661" y="3885"/>
-                  </a:lnTo>
-                  <a:lnTo>
-                    <a:pt x="71196" y="0"/>
-                  </a:lnTo>
-                  <a:lnTo>
-                    <a:pt x="3434002" y="0"/>
-                  </a:lnTo>
-                  <a:lnTo>
-                    <a:pt x="3475494" y="15621"/>
-                  </a:lnTo>
-                  <a:lnTo>
-                    <a:pt x="3501313" y="51661"/>
-                  </a:lnTo>
-                  <a:lnTo>
-                    <a:pt x="3505199" y="71196"/>
-                  </a:lnTo>
-                  <a:lnTo>
-                    <a:pt x="3505199" y="2024303"/>
-                  </a:lnTo>
-                  <a:lnTo>
-                    <a:pt x="3489577" y="2065794"/>
-                  </a:lnTo>
-                  <a:lnTo>
-                    <a:pt x="3453536" y="2091614"/>
-                  </a:lnTo>
-                  <a:lnTo>
-                    <a:pt x="3438957" y="2095011"/>
-                  </a:lnTo>
-                  <a:lnTo>
-                    <a:pt x="3434002" y="2095499"/>
-                  </a:lnTo>
-                  <a:close/>
-                </a:path>
-              </a:pathLst>
-            </a:custGeom>
-            <a:solidFill>
-              <a:srgbClr val="EDF1FF"/>
-            </a:solidFill>
-          </p:spPr>
-          <p:txBody>
-            <a:bodyPr wrap="square" lIns="0" tIns="0" rIns="0" bIns="0" rtlCol="0"/>
-            <a:lstStyle/>
-            <a:p>
-              <a:endParaRPr/>
-            </a:p>
-          </p:txBody>
-        </p:sp>
-        <p:sp>
-          <p:nvSpPr>
-            <p:cNvPr id="13" name="object 13"/>
-            <p:cNvSpPr/>
-            <p:nvPr/>
-          </p:nvSpPr>
-          <p:spPr>
-            <a:xfrm>
-              <a:off x="5791199" y="1371599"/>
-              <a:ext cx="609600" cy="609600"/>
-            </a:xfrm>
-            <a:custGeom>
-              <a:avLst/>
-              <a:gdLst/>
-              <a:ahLst/>
-              <a:cxnLst/>
-              <a:rect l="l" t="t" r="r" b="b"/>
-              <a:pathLst>
-                <a:path w="609600" h="609600">
-                  <a:moveTo>
-                    <a:pt x="304799" y="609599"/>
-                  </a:moveTo>
-                  <a:lnTo>
-                    <a:pt x="260076" y="606300"/>
-                  </a:lnTo>
-                  <a:lnTo>
-                    <a:pt x="216320" y="596475"/>
-                  </a:lnTo>
-                  <a:lnTo>
-                    <a:pt x="174480" y="580335"/>
-                  </a:lnTo>
-                  <a:lnTo>
-                    <a:pt x="135461" y="558231"/>
-                  </a:lnTo>
-                  <a:lnTo>
-                    <a:pt x="100108" y="530641"/>
-                  </a:lnTo>
-                  <a:lnTo>
-                    <a:pt x="69186" y="498162"/>
-                  </a:lnTo>
-                  <a:lnTo>
-                    <a:pt x="43364" y="461498"/>
-                  </a:lnTo>
-                  <a:lnTo>
-                    <a:pt x="23200" y="421441"/>
-                  </a:lnTo>
-                  <a:lnTo>
-                    <a:pt x="9134" y="378860"/>
-                  </a:lnTo>
-                  <a:lnTo>
-                    <a:pt x="1467" y="334675"/>
-                  </a:lnTo>
-                  <a:lnTo>
-                    <a:pt x="0" y="304799"/>
-                  </a:lnTo>
-                  <a:lnTo>
-                    <a:pt x="366" y="289844"/>
-                  </a:lnTo>
-                  <a:lnTo>
-                    <a:pt x="5856" y="245336"/>
-                  </a:lnTo>
-                  <a:lnTo>
-                    <a:pt x="17817" y="202115"/>
-                  </a:lnTo>
-                  <a:lnTo>
-                    <a:pt x="35990" y="161118"/>
-                  </a:lnTo>
-                  <a:lnTo>
-                    <a:pt x="59981" y="123230"/>
-                  </a:lnTo>
-                  <a:lnTo>
-                    <a:pt x="89273" y="89273"/>
-                  </a:lnTo>
-                  <a:lnTo>
-                    <a:pt x="123230" y="59982"/>
-                  </a:lnTo>
-                  <a:lnTo>
-                    <a:pt x="161118" y="35990"/>
-                  </a:lnTo>
-                  <a:lnTo>
-                    <a:pt x="202115" y="17817"/>
-                  </a:lnTo>
-                  <a:lnTo>
-                    <a:pt x="245336" y="5856"/>
-                  </a:lnTo>
-                  <a:lnTo>
-                    <a:pt x="289844" y="366"/>
-                  </a:lnTo>
-                  <a:lnTo>
-                    <a:pt x="304799" y="0"/>
-                  </a:lnTo>
-                  <a:lnTo>
-                    <a:pt x="319755" y="366"/>
-                  </a:lnTo>
-                  <a:lnTo>
-                    <a:pt x="364263" y="5856"/>
-                  </a:lnTo>
-                  <a:lnTo>
-                    <a:pt x="407484" y="17817"/>
-                  </a:lnTo>
-                  <a:lnTo>
-                    <a:pt x="448481" y="35990"/>
-                  </a:lnTo>
-                  <a:lnTo>
-                    <a:pt x="486369" y="59982"/>
-                  </a:lnTo>
-                  <a:lnTo>
-                    <a:pt x="520325" y="89273"/>
-                  </a:lnTo>
-                  <a:lnTo>
-                    <a:pt x="549617" y="123230"/>
-                  </a:lnTo>
-                  <a:lnTo>
-                    <a:pt x="573609" y="161118"/>
-                  </a:lnTo>
-                  <a:lnTo>
-                    <a:pt x="591782" y="202115"/>
-                  </a:lnTo>
-                  <a:lnTo>
-                    <a:pt x="603742" y="245336"/>
-                  </a:lnTo>
-                  <a:lnTo>
-                    <a:pt x="609233" y="289844"/>
-                  </a:lnTo>
-                  <a:lnTo>
-                    <a:pt x="609599" y="304799"/>
-                  </a:lnTo>
-                  <a:lnTo>
-                    <a:pt x="609233" y="319755"/>
-                  </a:lnTo>
-                  <a:lnTo>
-                    <a:pt x="603742" y="364263"/>
-                  </a:lnTo>
-                  <a:lnTo>
-                    <a:pt x="591782" y="407483"/>
-                  </a:lnTo>
-                  <a:lnTo>
-                    <a:pt x="573609" y="448481"/>
-                  </a:lnTo>
-                  <a:lnTo>
-                    <a:pt x="549617" y="486368"/>
-                  </a:lnTo>
-                  <a:lnTo>
-                    <a:pt x="520325" y="520325"/>
-                  </a:lnTo>
-                  <a:lnTo>
-                    <a:pt x="486369" y="549617"/>
-                  </a:lnTo>
-                  <a:lnTo>
-                    <a:pt x="448481" y="573609"/>
-                  </a:lnTo>
-                  <a:lnTo>
-                    <a:pt x="407484" y="591782"/>
-                  </a:lnTo>
-                  <a:lnTo>
-                    <a:pt x="364263" y="603743"/>
-                  </a:lnTo>
-                  <a:lnTo>
-                    <a:pt x="319755" y="609233"/>
-                  </a:lnTo>
-                  <a:lnTo>
-                    <a:pt x="304799" y="609599"/>
-                  </a:lnTo>
-                  <a:close/>
-                </a:path>
-              </a:pathLst>
-            </a:custGeom>
-            <a:solidFill>
-              <a:srgbClr val="DFE7FF"/>
-            </a:solidFill>
-          </p:spPr>
-          <p:txBody>
-            <a:bodyPr wrap="square" lIns="0" tIns="0" rIns="0" bIns="0" rtlCol="0"/>
-            <a:lstStyle/>
-            <a:p>
-              <a:endParaRPr/>
-            </a:p>
-          </p:txBody>
-        </p:sp>
-        <p:sp>
-          <p:nvSpPr>
-            <p:cNvPr id="14" name="object 14"/>
-            <p:cNvSpPr/>
-            <p:nvPr/>
-          </p:nvSpPr>
-          <p:spPr>
-            <a:xfrm>
-              <a:off x="5962649" y="1547217"/>
-              <a:ext cx="258445" cy="258445"/>
-            </a:xfrm>
-            <a:custGeom>
-              <a:avLst/>
-              <a:gdLst/>
-              <a:ahLst/>
-              <a:cxnLst/>
-              <a:rect l="l" t="t" r="r" b="b"/>
-              <a:pathLst>
-                <a:path w="258445" h="258444">
-                  <a:moveTo>
-                    <a:pt x="129182" y="258365"/>
-                  </a:moveTo>
-                  <a:lnTo>
-                    <a:pt x="78898" y="248213"/>
-                  </a:lnTo>
-                  <a:lnTo>
-                    <a:pt x="37836" y="220528"/>
-                  </a:lnTo>
-                  <a:lnTo>
-                    <a:pt x="10151" y="179466"/>
-                  </a:lnTo>
-                  <a:lnTo>
-                    <a:pt x="0" y="129182"/>
-                  </a:lnTo>
-                  <a:lnTo>
-                    <a:pt x="10077" y="79267"/>
-                  </a:lnTo>
-                  <a:lnTo>
-                    <a:pt x="10151" y="78898"/>
-                  </a:lnTo>
-                  <a:lnTo>
-                    <a:pt x="37836" y="37836"/>
-                  </a:lnTo>
-                  <a:lnTo>
-                    <a:pt x="78898" y="10151"/>
-                  </a:lnTo>
-                  <a:lnTo>
-                    <a:pt x="129182" y="0"/>
-                  </a:lnTo>
-                  <a:lnTo>
-                    <a:pt x="179466" y="10151"/>
-                  </a:lnTo>
-                  <a:lnTo>
-                    <a:pt x="220528" y="37836"/>
-                  </a:lnTo>
-                  <a:lnTo>
-                    <a:pt x="247437" y="77747"/>
-                  </a:lnTo>
-                  <a:lnTo>
-                    <a:pt x="182116" y="77747"/>
-                  </a:lnTo>
-                  <a:lnTo>
-                    <a:pt x="177464" y="78453"/>
-                  </a:lnTo>
-                  <a:lnTo>
-                    <a:pt x="169536" y="81001"/>
-                  </a:lnTo>
-                  <a:lnTo>
-                    <a:pt x="155791" y="86332"/>
-                  </a:lnTo>
-                  <a:lnTo>
-                    <a:pt x="133810" y="95365"/>
-                  </a:lnTo>
-                  <a:lnTo>
-                    <a:pt x="58473" y="127817"/>
-                  </a:lnTo>
-                  <a:lnTo>
-                    <a:pt x="52358" y="130248"/>
-                  </a:lnTo>
-                  <a:lnTo>
-                    <a:pt x="49155" y="132627"/>
-                  </a:lnTo>
-                  <a:lnTo>
-                    <a:pt x="48303" y="139420"/>
-                  </a:lnTo>
-                  <a:lnTo>
-                    <a:pt x="54733" y="140810"/>
-                  </a:lnTo>
-                  <a:lnTo>
-                    <a:pt x="69419" y="145584"/>
-                  </a:lnTo>
-                  <a:lnTo>
-                    <a:pt x="78292" y="148092"/>
-                  </a:lnTo>
-                  <a:lnTo>
-                    <a:pt x="115250" y="148092"/>
-                  </a:lnTo>
-                  <a:lnTo>
-                    <a:pt x="113789" y="149532"/>
-                  </a:lnTo>
-                  <a:lnTo>
-                    <a:pt x="110184" y="154281"/>
-                  </a:lnTo>
-                  <a:lnTo>
-                    <a:pt x="110333" y="159190"/>
-                  </a:lnTo>
-                  <a:lnTo>
-                    <a:pt x="116301" y="164888"/>
-                  </a:lnTo>
-                  <a:lnTo>
-                    <a:pt x="123863" y="169934"/>
-                  </a:lnTo>
-                  <a:lnTo>
-                    <a:pt x="137382" y="179106"/>
-                  </a:lnTo>
-                  <a:lnTo>
-                    <a:pt x="152397" y="189017"/>
-                  </a:lnTo>
-                  <a:lnTo>
-                    <a:pt x="158094" y="194665"/>
-                  </a:lnTo>
-                  <a:lnTo>
-                    <a:pt x="237966" y="194665"/>
-                  </a:lnTo>
-                  <a:lnTo>
-                    <a:pt x="220528" y="220528"/>
-                  </a:lnTo>
-                  <a:lnTo>
-                    <a:pt x="179466" y="248213"/>
-                  </a:lnTo>
-                  <a:lnTo>
-                    <a:pt x="129182" y="258365"/>
-                  </a:lnTo>
-                  <a:close/>
-                </a:path>
-                <a:path w="258445" h="258444">
-                  <a:moveTo>
-                    <a:pt x="237966" y="194665"/>
-                  </a:moveTo>
-                  <a:lnTo>
-                    <a:pt x="158094" y="194665"/>
-                  </a:lnTo>
-                  <a:lnTo>
-                    <a:pt x="169047" y="193657"/>
-                  </a:lnTo>
-                  <a:lnTo>
-                    <a:pt x="172613" y="190411"/>
-                  </a:lnTo>
-                  <a:lnTo>
-                    <a:pt x="182618" y="133373"/>
-                  </a:lnTo>
-                  <a:lnTo>
-                    <a:pt x="189061" y="87854"/>
-                  </a:lnTo>
-                  <a:lnTo>
-                    <a:pt x="189106" y="84454"/>
-                  </a:lnTo>
-                  <a:lnTo>
-                    <a:pt x="188843" y="82766"/>
-                  </a:lnTo>
-                  <a:lnTo>
-                    <a:pt x="188685" y="81361"/>
-                  </a:lnTo>
-                  <a:lnTo>
-                    <a:pt x="188072" y="80195"/>
-                  </a:lnTo>
-                  <a:lnTo>
-                    <a:pt x="187005" y="79267"/>
-                  </a:lnTo>
-                  <a:lnTo>
-                    <a:pt x="185457" y="78011"/>
-                  </a:lnTo>
-                  <a:lnTo>
-                    <a:pt x="183068" y="77747"/>
-                  </a:lnTo>
-                  <a:lnTo>
-                    <a:pt x="247437" y="77747"/>
-                  </a:lnTo>
-                  <a:lnTo>
-                    <a:pt x="248213" y="78898"/>
-                  </a:lnTo>
-                  <a:lnTo>
-                    <a:pt x="258365" y="129182"/>
-                  </a:lnTo>
-                  <a:lnTo>
-                    <a:pt x="248286" y="179106"/>
-                  </a:lnTo>
-                  <a:lnTo>
-                    <a:pt x="248213" y="179466"/>
-                  </a:lnTo>
-                  <a:lnTo>
-                    <a:pt x="237966" y="194665"/>
-                  </a:lnTo>
-                  <a:close/>
-                </a:path>
-                <a:path w="258445" h="258444">
-                  <a:moveTo>
-                    <a:pt x="115250" y="148092"/>
-                  </a:moveTo>
-                  <a:lnTo>
-                    <a:pt x="87602" y="148092"/>
-                  </a:lnTo>
-                  <a:lnTo>
-                    <a:pt x="91758" y="146557"/>
-                  </a:lnTo>
-                  <a:lnTo>
-                    <a:pt x="96913" y="143017"/>
-                  </a:lnTo>
-                  <a:lnTo>
-                    <a:pt x="136926" y="116199"/>
-                  </a:lnTo>
-                  <a:lnTo>
-                    <a:pt x="147356" y="109398"/>
-                  </a:lnTo>
-                  <a:lnTo>
-                    <a:pt x="151403" y="107001"/>
-                  </a:lnTo>
-                  <a:lnTo>
-                    <a:pt x="153321" y="106593"/>
-                  </a:lnTo>
-                  <a:lnTo>
-                    <a:pt x="154836" y="107930"/>
-                  </a:lnTo>
-                  <a:lnTo>
-                    <a:pt x="119084" y="144313"/>
-                  </a:lnTo>
-                  <a:lnTo>
-                    <a:pt x="115250" y="148092"/>
-                  </a:lnTo>
-                  <a:close/>
-                </a:path>
-              </a:pathLst>
-            </a:custGeom>
-            <a:solidFill>
-              <a:srgbClr val="4E45E4"/>
-            </a:solidFill>
-          </p:spPr>
-          <p:txBody>
-            <a:bodyPr wrap="square" lIns="0" tIns="0" rIns="0" bIns="0" rtlCol="0"/>
-            <a:lstStyle/>
-            <a:p>
-              <a:endParaRPr/>
-            </a:p>
-          </p:txBody>
-        </p:sp>
-      </p:grpSp>
-      <p:sp>
-        <p:nvSpPr>
-          <p:cNvPr id="15" name="object 15"/>
-          <p:cNvSpPr txBox="1"/>
-          <p:nvPr/>
-        </p:nvSpPr>
-        <p:spPr>
-          <a:xfrm>
-            <a:off x="5385743" y="2093119"/>
-            <a:ext cx="1420495" cy="243656"/>
-          </a:xfrm>
-          <a:prstGeom prst="rect">
-            <a:avLst/>
-          </a:prstGeom>
-        </p:spPr>
-        <p:txBody>
-          <a:bodyPr vert="horz" wrap="square" lIns="0" tIns="12700" rIns="0" bIns="0" rtlCol="0">
-            <a:spAutoFit/>
-          </a:bodyPr>
-          <a:lstStyle/>
-          <a:p>
-            <a:pPr marL="12700" marR="5080" algn="r">
-              <a:spcBef>
-                <a:spcPts val="100"/>
-              </a:spcBef>
-            </a:pPr>
-            <a:r>
-              <a:rPr sz="1500" b="1" spc="210" dirty="0">
-                <a:solidFill>
-                  <a:srgbClr val="4237CA"/>
-                </a:solidFill>
-                <a:latin typeface="Arial"/>
-                <a:cs typeface="Arial"/>
-              </a:rPr>
-              <a:t>ماﺮﻐﻠﺘﻟا</a:t>
-            </a:r>
-            <a:r>
-              <a:rPr sz="1500" b="1" spc="-30" dirty="0">
-                <a:solidFill>
-                  <a:srgbClr val="4237CA"/>
-                </a:solidFill>
-                <a:latin typeface="Arial"/>
-                <a:cs typeface="Arial"/>
-              </a:rPr>
-              <a:t> </a:t>
-            </a:r>
-            <a:r>
-              <a:rPr sz="1500" b="1" spc="185" dirty="0">
-                <a:solidFill>
-                  <a:srgbClr val="4237CA"/>
-                </a:solidFill>
-                <a:latin typeface="Arial"/>
-                <a:cs typeface="Arial"/>
-              </a:rPr>
-              <a:t>ﺔﻋﻮﻤﺠﻣ</a:t>
-            </a:r>
-            <a:endParaRPr sz="1500">
-              <a:latin typeface="Arial"/>
-              <a:cs typeface="Arial"/>
-            </a:endParaRPr>
-          </a:p>
-        </p:txBody>
-      </p:sp>
-      <p:sp>
-        <p:nvSpPr>
-          <p:cNvPr id="16" name="object 16"/>
-          <p:cNvSpPr txBox="1"/>
-          <p:nvPr/>
-        </p:nvSpPr>
-        <p:spPr>
-          <a:xfrm>
-            <a:off x="5187949" y="2493170"/>
-            <a:ext cx="1816100" cy="220573"/>
-          </a:xfrm>
-          <a:prstGeom prst="rect">
-            <a:avLst/>
-          </a:prstGeom>
-        </p:spPr>
-        <p:txBody>
-          <a:bodyPr vert="horz" wrap="square" lIns="0" tIns="12700" rIns="0" bIns="0" rtlCol="0">
-            <a:spAutoFit/>
-          </a:bodyPr>
-          <a:lstStyle/>
-          <a:p>
-            <a:pPr marL="12700" marR="5080" algn="r">
-              <a:spcBef>
-                <a:spcPts val="100"/>
-              </a:spcBef>
-            </a:pPr>
-            <a:r>
-              <a:rPr sz="1350" spc="95" dirty="0">
-                <a:solidFill>
-                  <a:srgbClr val="333333"/>
-                </a:solidFill>
-                <a:latin typeface="Calibri"/>
-                <a:cs typeface="Calibri"/>
-              </a:rPr>
-              <a:t>ﻲﻋﺎﻤﺠﻟا</a:t>
-            </a:r>
-            <a:r>
-              <a:rPr sz="1350" spc="35" dirty="0">
-                <a:solidFill>
-                  <a:srgbClr val="333333"/>
-                </a:solidFill>
-                <a:latin typeface="Calibri"/>
-                <a:cs typeface="Calibri"/>
-              </a:rPr>
-              <a:t> </a:t>
-            </a:r>
-            <a:r>
-              <a:rPr sz="1350" spc="75" dirty="0">
-                <a:solidFill>
-                  <a:srgbClr val="333333"/>
-                </a:solidFill>
-                <a:latin typeface="Calibri"/>
-                <a:cs typeface="Calibri"/>
-              </a:rPr>
-              <a:t>ﻢﻋﺪﻟاو</a:t>
-            </a:r>
-            <a:r>
-              <a:rPr sz="1350" spc="40" dirty="0">
-                <a:solidFill>
-                  <a:srgbClr val="333333"/>
-                </a:solidFill>
-                <a:latin typeface="Calibri"/>
-                <a:cs typeface="Calibri"/>
-              </a:rPr>
-              <a:t> </a:t>
-            </a:r>
-            <a:r>
-              <a:rPr sz="1350" spc="125" dirty="0">
-                <a:solidFill>
-                  <a:srgbClr val="333333"/>
-                </a:solidFill>
-                <a:latin typeface="Calibri"/>
-                <a:cs typeface="Calibri"/>
-              </a:rPr>
-              <a:t>تﺎﺷﺎﻘﻨﻠﻟ</a:t>
-            </a:r>
-            <a:endParaRPr sz="1350">
-              <a:latin typeface="Calibri"/>
-              <a:cs typeface="Calibri"/>
-            </a:endParaRPr>
-          </a:p>
-        </p:txBody>
-      </p:sp>
-      <p:sp>
-        <p:nvSpPr>
-          <p:cNvPr id="17" name="object 17"/>
-          <p:cNvSpPr txBox="1"/>
-          <p:nvPr/>
-        </p:nvSpPr>
-        <p:spPr>
-          <a:xfrm>
-            <a:off x="5359697" y="2826544"/>
-            <a:ext cx="1473200" cy="197490"/>
-          </a:xfrm>
-          <a:prstGeom prst="rect">
-            <a:avLst/>
-          </a:prstGeom>
-        </p:spPr>
-        <p:txBody>
-          <a:bodyPr vert="horz" wrap="square" lIns="0" tIns="12700" rIns="0" bIns="0" rtlCol="0">
-            <a:spAutoFit/>
-          </a:bodyPr>
-          <a:lstStyle/>
-          <a:p>
-            <a:pPr marL="12700">
-              <a:spcBef>
-                <a:spcPts val="100"/>
-              </a:spcBef>
-            </a:pPr>
-            <a:r>
-              <a:rPr sz="1200" b="1" spc="-80" dirty="0">
-                <a:solidFill>
-                  <a:srgbClr val="4E45E4"/>
-                </a:solidFill>
-                <a:latin typeface="Arial"/>
-                <a:cs typeface="Arial"/>
-              </a:rPr>
-              <a:t>t.me/HTMLCSSCourse</a:t>
-            </a:r>
-            <a:endParaRPr sz="1200">
-              <a:latin typeface="Arial"/>
-              <a:cs typeface="Arial"/>
-            </a:endParaRPr>
-          </a:p>
-        </p:txBody>
-      </p:sp>
-      <p:grpSp>
-        <p:nvGrpSpPr>
-          <p:cNvPr id="18" name="object 18"/>
-          <p:cNvGrpSpPr/>
-          <p:nvPr/>
-        </p:nvGrpSpPr>
-        <p:grpSpPr>
-          <a:xfrm>
-            <a:off x="609599" y="1181893"/>
-            <a:ext cx="3505200" cy="2095500"/>
-            <a:chOff x="609599" y="1181099"/>
-            <a:chExt cx="3505200" cy="2095500"/>
-          </a:xfrm>
-        </p:grpSpPr>
-        <p:sp>
-          <p:nvSpPr>
-            <p:cNvPr id="19" name="object 19"/>
-            <p:cNvSpPr/>
-            <p:nvPr/>
-          </p:nvSpPr>
-          <p:spPr>
-            <a:xfrm>
-              <a:off x="609599" y="1181099"/>
-              <a:ext cx="3505200" cy="2095500"/>
-            </a:xfrm>
-            <a:custGeom>
-              <a:avLst/>
-              <a:gdLst/>
-              <a:ahLst/>
-              <a:cxnLst/>
-              <a:rect l="l" t="t" r="r" b="b"/>
-              <a:pathLst>
-                <a:path w="3505200" h="2095500">
-                  <a:moveTo>
-                    <a:pt x="3434002" y="2095499"/>
-                  </a:moveTo>
-                  <a:lnTo>
-                    <a:pt x="71196" y="2095499"/>
-                  </a:lnTo>
-                  <a:lnTo>
-                    <a:pt x="66241" y="2095011"/>
-                  </a:lnTo>
-                  <a:lnTo>
-                    <a:pt x="29705" y="2079877"/>
-                  </a:lnTo>
-                  <a:lnTo>
-                    <a:pt x="3885" y="2043837"/>
-                  </a:lnTo>
-                  <a:lnTo>
-                    <a:pt x="0" y="2024303"/>
-                  </a:lnTo>
-                  <a:lnTo>
-                    <a:pt x="0" y="2019299"/>
-                  </a:lnTo>
-                  <a:lnTo>
-                    <a:pt x="0" y="71196"/>
-                  </a:lnTo>
-                  <a:lnTo>
-                    <a:pt x="15621" y="29705"/>
-                  </a:lnTo>
-                  <a:lnTo>
-                    <a:pt x="51661" y="3885"/>
-                  </a:lnTo>
-                  <a:lnTo>
-                    <a:pt x="71196" y="0"/>
-                  </a:lnTo>
-                  <a:lnTo>
-                    <a:pt x="3434002" y="0"/>
-                  </a:lnTo>
-                  <a:lnTo>
-                    <a:pt x="3475493" y="15621"/>
-                  </a:lnTo>
-                  <a:lnTo>
-                    <a:pt x="3501313" y="51661"/>
-                  </a:lnTo>
-                  <a:lnTo>
-                    <a:pt x="3505199" y="71196"/>
-                  </a:lnTo>
-                  <a:lnTo>
-                    <a:pt x="3505199" y="2024303"/>
-                  </a:lnTo>
-                  <a:lnTo>
-                    <a:pt x="3489577" y="2065794"/>
-                  </a:lnTo>
-                  <a:lnTo>
-                    <a:pt x="3453536" y="2091614"/>
-                  </a:lnTo>
-                  <a:lnTo>
-                    <a:pt x="3438958" y="2095011"/>
-                  </a:lnTo>
-                  <a:lnTo>
-                    <a:pt x="3434002" y="2095499"/>
-                  </a:lnTo>
-                  <a:close/>
-                </a:path>
-              </a:pathLst>
-            </a:custGeom>
-            <a:solidFill>
-              <a:srgbClr val="ECFDF5"/>
-            </a:solidFill>
-          </p:spPr>
-          <p:txBody>
-            <a:bodyPr wrap="square" lIns="0" tIns="0" rIns="0" bIns="0" rtlCol="0"/>
-            <a:lstStyle/>
-            <a:p>
-              <a:endParaRPr/>
-            </a:p>
-          </p:txBody>
-        </p:sp>
-        <p:sp>
-          <p:nvSpPr>
-            <p:cNvPr id="20" name="object 20"/>
-            <p:cNvSpPr/>
-            <p:nvPr/>
-          </p:nvSpPr>
-          <p:spPr>
-            <a:xfrm>
-              <a:off x="2057399" y="1371599"/>
-              <a:ext cx="609600" cy="609600"/>
-            </a:xfrm>
-            <a:custGeom>
-              <a:avLst/>
-              <a:gdLst/>
-              <a:ahLst/>
-              <a:cxnLst/>
-              <a:rect l="l" t="t" r="r" b="b"/>
-              <a:pathLst>
-                <a:path w="609600" h="609600">
-                  <a:moveTo>
-                    <a:pt x="304799" y="609599"/>
-                  </a:moveTo>
-                  <a:lnTo>
-                    <a:pt x="260076" y="606300"/>
-                  </a:lnTo>
-                  <a:lnTo>
-                    <a:pt x="216320" y="596475"/>
-                  </a:lnTo>
-                  <a:lnTo>
-                    <a:pt x="174480" y="580335"/>
-                  </a:lnTo>
-                  <a:lnTo>
-                    <a:pt x="135461" y="558231"/>
-                  </a:lnTo>
-                  <a:lnTo>
-                    <a:pt x="100108" y="530641"/>
-                  </a:lnTo>
-                  <a:lnTo>
-                    <a:pt x="69186" y="498162"/>
-                  </a:lnTo>
-                  <a:lnTo>
-                    <a:pt x="43363" y="461498"/>
-                  </a:lnTo>
-                  <a:lnTo>
-                    <a:pt x="23201" y="421441"/>
-                  </a:lnTo>
-                  <a:lnTo>
-                    <a:pt x="9134" y="378860"/>
-                  </a:lnTo>
-                  <a:lnTo>
-                    <a:pt x="1467" y="334675"/>
-                  </a:lnTo>
-                  <a:lnTo>
-                    <a:pt x="0" y="304799"/>
-                  </a:lnTo>
-                  <a:lnTo>
-                    <a:pt x="367" y="289844"/>
-                  </a:lnTo>
-                  <a:lnTo>
-                    <a:pt x="5856" y="245336"/>
-                  </a:lnTo>
-                  <a:lnTo>
-                    <a:pt x="17816" y="202115"/>
-                  </a:lnTo>
-                  <a:lnTo>
-                    <a:pt x="35990" y="161118"/>
-                  </a:lnTo>
-                  <a:lnTo>
-                    <a:pt x="59981" y="123230"/>
-                  </a:lnTo>
-                  <a:lnTo>
-                    <a:pt x="89273" y="89273"/>
-                  </a:lnTo>
-                  <a:lnTo>
-                    <a:pt x="123230" y="59982"/>
-                  </a:lnTo>
-                  <a:lnTo>
-                    <a:pt x="161118" y="35990"/>
-                  </a:lnTo>
-                  <a:lnTo>
-                    <a:pt x="202115" y="17817"/>
-                  </a:lnTo>
-                  <a:lnTo>
-                    <a:pt x="245336" y="5856"/>
-                  </a:lnTo>
-                  <a:lnTo>
-                    <a:pt x="289844" y="366"/>
-                  </a:lnTo>
-                  <a:lnTo>
-                    <a:pt x="304799" y="0"/>
-                  </a:lnTo>
-                  <a:lnTo>
-                    <a:pt x="319755" y="366"/>
-                  </a:lnTo>
-                  <a:lnTo>
-                    <a:pt x="364263" y="5856"/>
-                  </a:lnTo>
-                  <a:lnTo>
-                    <a:pt x="407484" y="17817"/>
-                  </a:lnTo>
-                  <a:lnTo>
-                    <a:pt x="448481" y="35990"/>
-                  </a:lnTo>
-                  <a:lnTo>
-                    <a:pt x="486369" y="59982"/>
-                  </a:lnTo>
-                  <a:lnTo>
-                    <a:pt x="520326" y="89273"/>
-                  </a:lnTo>
-                  <a:lnTo>
-                    <a:pt x="549617" y="123230"/>
-                  </a:lnTo>
-                  <a:lnTo>
-                    <a:pt x="573609" y="161118"/>
-                  </a:lnTo>
-                  <a:lnTo>
-                    <a:pt x="591782" y="202115"/>
-                  </a:lnTo>
-                  <a:lnTo>
-                    <a:pt x="603742" y="245336"/>
-                  </a:lnTo>
-                  <a:lnTo>
-                    <a:pt x="609233" y="289844"/>
-                  </a:lnTo>
-                  <a:lnTo>
-                    <a:pt x="609599" y="304799"/>
-                  </a:lnTo>
-                  <a:lnTo>
-                    <a:pt x="609233" y="319755"/>
-                  </a:lnTo>
-                  <a:lnTo>
-                    <a:pt x="603742" y="364263"/>
-                  </a:lnTo>
-                  <a:lnTo>
-                    <a:pt x="591782" y="407483"/>
-                  </a:lnTo>
-                  <a:lnTo>
-                    <a:pt x="573609" y="448481"/>
-                  </a:lnTo>
-                  <a:lnTo>
-                    <a:pt x="549617" y="486368"/>
-                  </a:lnTo>
-                  <a:lnTo>
-                    <a:pt x="520326" y="520325"/>
-                  </a:lnTo>
-                  <a:lnTo>
-                    <a:pt x="486369" y="549617"/>
-                  </a:lnTo>
-                  <a:lnTo>
-                    <a:pt x="448481" y="573609"/>
-                  </a:lnTo>
-                  <a:lnTo>
-                    <a:pt x="407484" y="591782"/>
-                  </a:lnTo>
-                  <a:lnTo>
-                    <a:pt x="364263" y="603743"/>
-                  </a:lnTo>
-                  <a:lnTo>
-                    <a:pt x="319755" y="609233"/>
-                  </a:lnTo>
-                  <a:lnTo>
-                    <a:pt x="304799" y="609599"/>
-                  </a:lnTo>
-                  <a:close/>
-                </a:path>
-              </a:pathLst>
-            </a:custGeom>
-            <a:solidFill>
-              <a:srgbClr val="D0FAE4"/>
-            </a:solidFill>
-          </p:spPr>
-          <p:txBody>
-            <a:bodyPr wrap="square" lIns="0" tIns="0" rIns="0" bIns="0" rtlCol="0"/>
-            <a:lstStyle/>
-            <a:p>
-              <a:endParaRPr/>
-            </a:p>
-          </p:txBody>
-        </p:sp>
-        <p:sp>
-          <p:nvSpPr>
-            <p:cNvPr id="21" name="object 21"/>
-            <p:cNvSpPr/>
-            <p:nvPr/>
-          </p:nvSpPr>
-          <p:spPr>
-            <a:xfrm>
-              <a:off x="2228849" y="1543049"/>
-              <a:ext cx="266700" cy="266700"/>
-            </a:xfrm>
-            <a:custGeom>
-              <a:avLst/>
-              <a:gdLst/>
-              <a:ahLst/>
-              <a:cxnLst/>
-              <a:rect l="l" t="t" r="r" b="b"/>
-              <a:pathLst>
-                <a:path w="266700" h="266700">
-                  <a:moveTo>
-                    <a:pt x="19429" y="166687"/>
-                  </a:moveTo>
-                  <a:lnTo>
-                    <a:pt x="5573" y="166687"/>
-                  </a:lnTo>
-                  <a:lnTo>
-                    <a:pt x="0" y="161113"/>
-                  </a:lnTo>
-                  <a:lnTo>
-                    <a:pt x="0" y="133350"/>
-                  </a:lnTo>
-                  <a:lnTo>
-                    <a:pt x="6811" y="91171"/>
-                  </a:lnTo>
-                  <a:lnTo>
-                    <a:pt x="25726" y="54591"/>
-                  </a:lnTo>
-                  <a:lnTo>
-                    <a:pt x="54591" y="25726"/>
-                  </a:lnTo>
-                  <a:lnTo>
-                    <a:pt x="91198" y="6797"/>
-                  </a:lnTo>
-                  <a:lnTo>
-                    <a:pt x="133350" y="0"/>
-                  </a:lnTo>
-                  <a:lnTo>
-                    <a:pt x="175501" y="6797"/>
-                  </a:lnTo>
-                  <a:lnTo>
-                    <a:pt x="210709" y="25003"/>
-                  </a:lnTo>
-                  <a:lnTo>
-                    <a:pt x="133350" y="25003"/>
-                  </a:lnTo>
-                  <a:lnTo>
-                    <a:pt x="91171" y="33515"/>
-                  </a:lnTo>
-                  <a:lnTo>
-                    <a:pt x="56732" y="56732"/>
-                  </a:lnTo>
-                  <a:lnTo>
-                    <a:pt x="33515" y="91171"/>
-                  </a:lnTo>
-                  <a:lnTo>
-                    <a:pt x="25003" y="133350"/>
-                  </a:lnTo>
-                  <a:lnTo>
-                    <a:pt x="25003" y="161113"/>
-                  </a:lnTo>
-                  <a:lnTo>
-                    <a:pt x="19429" y="166687"/>
-                  </a:lnTo>
-                  <a:close/>
-                </a:path>
-                <a:path w="266700" h="266700">
-                  <a:moveTo>
-                    <a:pt x="261112" y="229195"/>
-                  </a:moveTo>
-                  <a:lnTo>
-                    <a:pt x="221119" y="229195"/>
-                  </a:lnTo>
-                  <a:lnTo>
-                    <a:pt x="228973" y="227610"/>
-                  </a:lnTo>
-                  <a:lnTo>
-                    <a:pt x="235595" y="223146"/>
-                  </a:lnTo>
-                  <a:lnTo>
-                    <a:pt x="239945" y="216693"/>
-                  </a:lnTo>
-                  <a:lnTo>
-                    <a:pt x="240060" y="216523"/>
-                  </a:lnTo>
-                  <a:lnTo>
-                    <a:pt x="241696" y="208411"/>
-                  </a:lnTo>
-                  <a:lnTo>
-                    <a:pt x="241696" y="133350"/>
-                  </a:lnTo>
-                  <a:lnTo>
-                    <a:pt x="233184" y="91171"/>
-                  </a:lnTo>
-                  <a:lnTo>
-                    <a:pt x="209967" y="56732"/>
-                  </a:lnTo>
-                  <a:lnTo>
-                    <a:pt x="175528" y="33515"/>
-                  </a:lnTo>
-                  <a:lnTo>
-                    <a:pt x="133350" y="25003"/>
-                  </a:lnTo>
-                  <a:lnTo>
-                    <a:pt x="210709" y="25003"/>
-                  </a:lnTo>
-                  <a:lnTo>
-                    <a:pt x="212108" y="25726"/>
-                  </a:lnTo>
-                  <a:lnTo>
-                    <a:pt x="240973" y="54591"/>
-                  </a:lnTo>
-                  <a:lnTo>
-                    <a:pt x="259888" y="91171"/>
-                  </a:lnTo>
-                  <a:lnTo>
-                    <a:pt x="266700" y="133350"/>
-                  </a:lnTo>
-                  <a:lnTo>
-                    <a:pt x="266700" y="208411"/>
-                  </a:lnTo>
-                  <a:lnTo>
-                    <a:pt x="263096" y="226253"/>
-                  </a:lnTo>
-                  <a:lnTo>
-                    <a:pt x="261112" y="229195"/>
-                  </a:lnTo>
-                  <a:close/>
-                </a:path>
-                <a:path w="266700" h="266700">
-                  <a:moveTo>
-                    <a:pt x="92563" y="200025"/>
-                  </a:moveTo>
-                  <a:lnTo>
-                    <a:pt x="75009" y="200025"/>
-                  </a:lnTo>
-                  <a:lnTo>
-                    <a:pt x="62043" y="197401"/>
-                  </a:lnTo>
-                  <a:lnTo>
-                    <a:pt x="51445" y="190251"/>
-                  </a:lnTo>
-                  <a:lnTo>
-                    <a:pt x="44295" y="179653"/>
-                  </a:lnTo>
-                  <a:lnTo>
-                    <a:pt x="41671" y="166687"/>
-                  </a:lnTo>
-                  <a:lnTo>
-                    <a:pt x="41671" y="141684"/>
-                  </a:lnTo>
-                  <a:lnTo>
-                    <a:pt x="44295" y="128718"/>
-                  </a:lnTo>
-                  <a:lnTo>
-                    <a:pt x="51445" y="118120"/>
-                  </a:lnTo>
-                  <a:lnTo>
-                    <a:pt x="62043" y="110970"/>
-                  </a:lnTo>
-                  <a:lnTo>
-                    <a:pt x="75009" y="108346"/>
-                  </a:lnTo>
-                  <a:lnTo>
-                    <a:pt x="92563" y="108346"/>
-                  </a:lnTo>
-                  <a:lnTo>
-                    <a:pt x="100012" y="115795"/>
-                  </a:lnTo>
-                  <a:lnTo>
-                    <a:pt x="100012" y="192576"/>
-                  </a:lnTo>
-                  <a:lnTo>
-                    <a:pt x="92563" y="200025"/>
-                  </a:lnTo>
-                  <a:close/>
-                </a:path>
-                <a:path w="266700" h="266700">
-                  <a:moveTo>
-                    <a:pt x="191690" y="200025"/>
-                  </a:moveTo>
-                  <a:lnTo>
-                    <a:pt x="174136" y="200025"/>
-                  </a:lnTo>
-                  <a:lnTo>
-                    <a:pt x="166687" y="192576"/>
-                  </a:lnTo>
-                  <a:lnTo>
-                    <a:pt x="166687" y="115795"/>
-                  </a:lnTo>
-                  <a:lnTo>
-                    <a:pt x="174136" y="108346"/>
-                  </a:lnTo>
-                  <a:lnTo>
-                    <a:pt x="191690" y="108346"/>
-                  </a:lnTo>
-                  <a:lnTo>
-                    <a:pt x="204656" y="110970"/>
-                  </a:lnTo>
-                  <a:lnTo>
-                    <a:pt x="215254" y="118120"/>
-                  </a:lnTo>
-                  <a:lnTo>
-                    <a:pt x="222404" y="128718"/>
-                  </a:lnTo>
-                  <a:lnTo>
-                    <a:pt x="225028" y="141684"/>
-                  </a:lnTo>
-                  <a:lnTo>
-                    <a:pt x="225028" y="166687"/>
-                  </a:lnTo>
-                  <a:lnTo>
-                    <a:pt x="222404" y="179653"/>
-                  </a:lnTo>
-                  <a:lnTo>
-                    <a:pt x="215254" y="190251"/>
-                  </a:lnTo>
-                  <a:lnTo>
-                    <a:pt x="204656" y="197401"/>
-                  </a:lnTo>
-                  <a:lnTo>
-                    <a:pt x="191690" y="200025"/>
-                  </a:lnTo>
-                  <a:close/>
-                </a:path>
-                <a:path w="266700" h="266700">
-                  <a:moveTo>
-                    <a:pt x="150956" y="266700"/>
-                  </a:moveTo>
-                  <a:lnTo>
-                    <a:pt x="125015" y="266700"/>
-                  </a:lnTo>
-                  <a:lnTo>
-                    <a:pt x="115285" y="264734"/>
-                  </a:lnTo>
-                  <a:lnTo>
-                    <a:pt x="107337" y="259374"/>
-                  </a:lnTo>
-                  <a:lnTo>
-                    <a:pt x="101978" y="251427"/>
-                  </a:lnTo>
-                  <a:lnTo>
-                    <a:pt x="100012" y="241696"/>
-                  </a:lnTo>
-                  <a:lnTo>
-                    <a:pt x="101978" y="231966"/>
-                  </a:lnTo>
-                  <a:lnTo>
-                    <a:pt x="107337" y="224018"/>
-                  </a:lnTo>
-                  <a:lnTo>
-                    <a:pt x="115285" y="218659"/>
-                  </a:lnTo>
-                  <a:lnTo>
-                    <a:pt x="125015" y="216693"/>
-                  </a:lnTo>
-                  <a:lnTo>
-                    <a:pt x="150956" y="216693"/>
-                  </a:lnTo>
-                  <a:lnTo>
-                    <a:pt x="159030" y="221746"/>
-                  </a:lnTo>
-                  <a:lnTo>
-                    <a:pt x="163353" y="229195"/>
-                  </a:lnTo>
-                  <a:lnTo>
-                    <a:pt x="261112" y="229195"/>
-                  </a:lnTo>
-                  <a:lnTo>
-                    <a:pt x="253267" y="240824"/>
-                  </a:lnTo>
-                  <a:lnTo>
-                    <a:pt x="238681" y="250648"/>
-                  </a:lnTo>
-                  <a:lnTo>
-                    <a:pt x="221067" y="254198"/>
-                  </a:lnTo>
-                  <a:lnTo>
-                    <a:pt x="163353" y="254198"/>
-                  </a:lnTo>
-                  <a:lnTo>
-                    <a:pt x="159030" y="261647"/>
-                  </a:lnTo>
-                  <a:lnTo>
-                    <a:pt x="150956" y="266700"/>
-                  </a:lnTo>
-                  <a:close/>
-                </a:path>
-              </a:pathLst>
-            </a:custGeom>
-            <a:solidFill>
-              <a:srgbClr val="049569"/>
-            </a:solidFill>
-          </p:spPr>
-          <p:txBody>
-            <a:bodyPr wrap="square" lIns="0" tIns="0" rIns="0" bIns="0" rtlCol="0"/>
-            <a:lstStyle/>
-            <a:p>
-              <a:endParaRPr/>
-            </a:p>
-          </p:txBody>
-        </p:sp>
-      </p:grpSp>
-      <p:sp>
-        <p:nvSpPr>
-          <p:cNvPr id="22" name="object 22"/>
-          <p:cNvSpPr txBox="1"/>
-          <p:nvPr/>
-        </p:nvSpPr>
-        <p:spPr>
-          <a:xfrm>
-            <a:off x="1879055" y="2093119"/>
-            <a:ext cx="966469" cy="243656"/>
-          </a:xfrm>
-          <a:prstGeom prst="rect">
-            <a:avLst/>
-          </a:prstGeom>
-        </p:spPr>
-        <p:txBody>
-          <a:bodyPr vert="horz" wrap="square" lIns="0" tIns="12700" rIns="0" bIns="0" rtlCol="0">
-            <a:spAutoFit/>
-          </a:bodyPr>
-          <a:lstStyle/>
-          <a:p>
-            <a:pPr marL="12700" marR="5080" algn="r">
-              <a:spcBef>
-                <a:spcPts val="100"/>
-              </a:spcBef>
-            </a:pPr>
-            <a:r>
-              <a:rPr sz="1500" b="1" spc="185" dirty="0">
-                <a:solidFill>
-                  <a:srgbClr val="047857"/>
-                </a:solidFill>
-                <a:latin typeface="Arial"/>
-                <a:cs typeface="Arial"/>
-              </a:rPr>
-              <a:t>ﻲﻨﻔﻟا</a:t>
-            </a:r>
-            <a:r>
-              <a:rPr sz="1500" b="1" spc="-40" dirty="0">
-                <a:solidFill>
-                  <a:srgbClr val="047857"/>
-                </a:solidFill>
-                <a:latin typeface="Arial"/>
-                <a:cs typeface="Arial"/>
-              </a:rPr>
-              <a:t> </a:t>
-            </a:r>
-            <a:r>
-              <a:rPr sz="1500" b="1" spc="204" dirty="0">
-                <a:solidFill>
-                  <a:srgbClr val="047857"/>
-                </a:solidFill>
-                <a:latin typeface="Arial"/>
-                <a:cs typeface="Arial"/>
-              </a:rPr>
-              <a:t>ﻢﻋﺪﻟا</a:t>
-            </a:r>
-            <a:endParaRPr sz="1500">
-              <a:latin typeface="Arial"/>
-              <a:cs typeface="Arial"/>
-            </a:endParaRPr>
-          </a:p>
-        </p:txBody>
-      </p:sp>
-      <p:sp>
-        <p:nvSpPr>
-          <p:cNvPr id="23" name="object 23"/>
-          <p:cNvSpPr txBox="1"/>
-          <p:nvPr/>
-        </p:nvSpPr>
-        <p:spPr>
-          <a:xfrm>
-            <a:off x="1286868" y="2493170"/>
-            <a:ext cx="2150745" cy="220573"/>
-          </a:xfrm>
-          <a:prstGeom prst="rect">
-            <a:avLst/>
-          </a:prstGeom>
-        </p:spPr>
-        <p:txBody>
-          <a:bodyPr vert="horz" wrap="square" lIns="0" tIns="12700" rIns="0" bIns="0" rtlCol="0">
-            <a:spAutoFit/>
-          </a:bodyPr>
-          <a:lstStyle/>
-          <a:p>
-            <a:pPr marL="12700" marR="5080" algn="r">
-              <a:spcBef>
-                <a:spcPts val="100"/>
-              </a:spcBef>
-            </a:pPr>
-            <a:r>
-              <a:rPr sz="1350" spc="85" dirty="0">
-                <a:solidFill>
-                  <a:srgbClr val="333333"/>
-                </a:solidFill>
-                <a:latin typeface="Calibri"/>
-                <a:cs typeface="Calibri"/>
-              </a:rPr>
-              <a:t>ﺔﻴﻨﻘﺘﻟا</a:t>
-            </a:r>
-            <a:r>
-              <a:rPr sz="1350" spc="30" dirty="0">
-                <a:solidFill>
-                  <a:srgbClr val="333333"/>
-                </a:solidFill>
-                <a:latin typeface="Calibri"/>
-                <a:cs typeface="Calibri"/>
-              </a:rPr>
-              <a:t> </a:t>
-            </a:r>
-            <a:r>
-              <a:rPr sz="1350" spc="165" dirty="0">
-                <a:solidFill>
-                  <a:srgbClr val="333333"/>
-                </a:solidFill>
-                <a:latin typeface="Calibri"/>
-                <a:cs typeface="Calibri"/>
-              </a:rPr>
-              <a:t>ﻞﻛﺎﺸﻤﻟا</a:t>
-            </a:r>
-            <a:r>
-              <a:rPr sz="1350" spc="35" dirty="0">
-                <a:solidFill>
-                  <a:srgbClr val="333333"/>
-                </a:solidFill>
-                <a:latin typeface="Calibri"/>
-                <a:cs typeface="Calibri"/>
-              </a:rPr>
-              <a:t> </a:t>
-            </a:r>
-            <a:r>
-              <a:rPr sz="1350" spc="150" dirty="0">
-                <a:solidFill>
-                  <a:srgbClr val="333333"/>
-                </a:solidFill>
-                <a:latin typeface="Calibri"/>
-                <a:cs typeface="Calibri"/>
-              </a:rPr>
-              <a:t>ﻲﻓ</a:t>
-            </a:r>
-            <a:r>
-              <a:rPr sz="1350" spc="30" dirty="0">
-                <a:solidFill>
-                  <a:srgbClr val="333333"/>
-                </a:solidFill>
-                <a:latin typeface="Calibri"/>
-                <a:cs typeface="Calibri"/>
-              </a:rPr>
-              <a:t> </a:t>
-            </a:r>
-            <a:r>
-              <a:rPr sz="1350" spc="155" dirty="0">
-                <a:solidFill>
-                  <a:srgbClr val="333333"/>
-                </a:solidFill>
-                <a:latin typeface="Calibri"/>
-                <a:cs typeface="Calibri"/>
-              </a:rPr>
-              <a:t>ةﺪﻋﺎﺴﻤﻠﻟ</a:t>
-            </a:r>
-            <a:endParaRPr sz="1350">
-              <a:latin typeface="Calibri"/>
-              <a:cs typeface="Calibri"/>
-            </a:endParaRPr>
-          </a:p>
-        </p:txBody>
-      </p:sp>
-      <p:sp>
-        <p:nvSpPr>
-          <p:cNvPr id="24" name="object 24"/>
-          <p:cNvSpPr txBox="1"/>
-          <p:nvPr/>
-        </p:nvSpPr>
-        <p:spPr>
-          <a:xfrm>
-            <a:off x="1581696" y="2826544"/>
-            <a:ext cx="1561465" cy="197490"/>
-          </a:xfrm>
-          <a:prstGeom prst="rect">
-            <a:avLst/>
-          </a:prstGeom>
-        </p:spPr>
-        <p:txBody>
-          <a:bodyPr vert="horz" wrap="square" lIns="0" tIns="12700" rIns="0" bIns="0" rtlCol="0">
-            <a:spAutoFit/>
-          </a:bodyPr>
-          <a:lstStyle/>
-          <a:p>
-            <a:pPr marL="12700">
-              <a:spcBef>
-                <a:spcPts val="100"/>
-              </a:spcBef>
-            </a:pPr>
-            <a:r>
-              <a:rPr sz="1200" b="1" spc="-65" dirty="0">
-                <a:solidFill>
-                  <a:srgbClr val="049569"/>
-                </a:solidFill>
-                <a:latin typeface="Arial"/>
-                <a:cs typeface="Arial"/>
-                <a:hlinkClick r:id="rId3"/>
-              </a:rPr>
-              <a:t>support@example.com</a:t>
-            </a:r>
-            <a:endParaRPr sz="1200">
-              <a:latin typeface="Arial"/>
-              <a:cs typeface="Arial"/>
-            </a:endParaRPr>
-          </a:p>
-        </p:txBody>
-      </p:sp>
-      <p:grpSp>
-        <p:nvGrpSpPr>
-          <p:cNvPr id="25" name="object 25"/>
-          <p:cNvGrpSpPr/>
-          <p:nvPr/>
-        </p:nvGrpSpPr>
-        <p:grpSpPr>
-          <a:xfrm>
-            <a:off x="6210298" y="3582193"/>
-            <a:ext cx="5372100" cy="1600200"/>
-            <a:chOff x="6210298" y="3581399"/>
-            <a:chExt cx="5372100" cy="1600200"/>
-          </a:xfrm>
-        </p:grpSpPr>
-        <p:sp>
-          <p:nvSpPr>
-            <p:cNvPr id="26" name="object 26"/>
-            <p:cNvSpPr/>
-            <p:nvPr/>
-          </p:nvSpPr>
-          <p:spPr>
-            <a:xfrm>
-              <a:off x="6210298" y="3581399"/>
-              <a:ext cx="5372100" cy="1600200"/>
-            </a:xfrm>
-            <a:custGeom>
-              <a:avLst/>
-              <a:gdLst/>
-              <a:ahLst/>
-              <a:cxnLst/>
-              <a:rect l="l" t="t" r="r" b="b"/>
-              <a:pathLst>
-                <a:path w="5372100" h="1600200">
-                  <a:moveTo>
-                    <a:pt x="5300903" y="1600199"/>
-                  </a:moveTo>
-                  <a:lnTo>
-                    <a:pt x="71196" y="1600199"/>
-                  </a:lnTo>
-                  <a:lnTo>
-                    <a:pt x="66241" y="1599710"/>
-                  </a:lnTo>
-                  <a:lnTo>
-                    <a:pt x="29705" y="1584577"/>
-                  </a:lnTo>
-                  <a:lnTo>
-                    <a:pt x="3885" y="1548537"/>
-                  </a:lnTo>
-                  <a:lnTo>
-                    <a:pt x="0" y="1529003"/>
-                  </a:lnTo>
-                  <a:lnTo>
-                    <a:pt x="0" y="1523999"/>
-                  </a:lnTo>
-                  <a:lnTo>
-                    <a:pt x="0" y="71196"/>
-                  </a:lnTo>
-                  <a:lnTo>
-                    <a:pt x="15621" y="29705"/>
-                  </a:lnTo>
-                  <a:lnTo>
-                    <a:pt x="51661" y="3885"/>
-                  </a:lnTo>
-                  <a:lnTo>
-                    <a:pt x="71196" y="0"/>
-                  </a:lnTo>
-                  <a:lnTo>
-                    <a:pt x="5300903" y="0"/>
-                  </a:lnTo>
-                  <a:lnTo>
-                    <a:pt x="5342392" y="15621"/>
-                  </a:lnTo>
-                  <a:lnTo>
-                    <a:pt x="5368212" y="51661"/>
-                  </a:lnTo>
-                  <a:lnTo>
-                    <a:pt x="5372099" y="71196"/>
-                  </a:lnTo>
-                  <a:lnTo>
-                    <a:pt x="5372099" y="1529003"/>
-                  </a:lnTo>
-                  <a:lnTo>
-                    <a:pt x="5356476" y="1570494"/>
-                  </a:lnTo>
-                  <a:lnTo>
-                    <a:pt x="5320437" y="1596312"/>
-                  </a:lnTo>
-                  <a:lnTo>
-                    <a:pt x="5305857" y="1599710"/>
-                  </a:lnTo>
-                  <a:lnTo>
-                    <a:pt x="5300903" y="1600199"/>
-                  </a:lnTo>
-                  <a:close/>
-                </a:path>
-              </a:pathLst>
-            </a:custGeom>
-            <a:solidFill>
-              <a:srgbClr val="F9FAFA"/>
-            </a:solidFill>
-          </p:spPr>
-          <p:txBody>
-            <a:bodyPr wrap="square" lIns="0" tIns="0" rIns="0" bIns="0" rtlCol="0"/>
-            <a:lstStyle/>
-            <a:p>
-              <a:endParaRPr/>
-            </a:p>
-          </p:txBody>
-        </p:sp>
-        <p:pic>
-          <p:nvPicPr>
-            <p:cNvPr id="27" name="object 27"/>
-            <p:cNvPicPr/>
-            <p:nvPr/>
-          </p:nvPicPr>
-          <p:blipFill>
-            <a:blip r:embed="rId4" cstate="print"/>
-            <a:stretch>
-              <a:fillRect/>
-            </a:stretch>
-          </p:blipFill>
-          <p:spPr>
-            <a:xfrm>
-              <a:off x="11201399" y="3809999"/>
-              <a:ext cx="190499" cy="190499"/>
-            </a:xfrm>
-            <a:prstGeom prst="rect">
-              <a:avLst/>
-            </a:prstGeom>
-          </p:spPr>
-        </p:pic>
-      </p:grpSp>
-      <p:sp>
-        <p:nvSpPr>
-          <p:cNvPr id="28" name="object 28"/>
-          <p:cNvSpPr txBox="1"/>
-          <p:nvPr/>
-        </p:nvSpPr>
-        <p:spPr>
-          <a:xfrm>
-            <a:off x="9247684" y="3731419"/>
-            <a:ext cx="1890395" cy="243656"/>
-          </a:xfrm>
-          <a:prstGeom prst="rect">
-            <a:avLst/>
-          </a:prstGeom>
-        </p:spPr>
-        <p:txBody>
-          <a:bodyPr vert="horz" wrap="square" lIns="0" tIns="12700" rIns="0" bIns="0" rtlCol="0">
-            <a:spAutoFit/>
-          </a:bodyPr>
-          <a:lstStyle/>
-          <a:p>
-            <a:pPr marL="12700" marR="5080" algn="r">
-              <a:spcBef>
-                <a:spcPts val="100"/>
-              </a:spcBef>
-            </a:pPr>
-            <a:r>
-              <a:rPr sz="1500" b="1" spc="225" dirty="0">
-                <a:solidFill>
-                  <a:srgbClr val="333333"/>
-                </a:solidFill>
-                <a:latin typeface="Arial"/>
-                <a:cs typeface="Arial"/>
-              </a:rPr>
-              <a:t>ﺐﺘﻜﻤﻟاو</a:t>
-            </a:r>
-            <a:r>
-              <a:rPr sz="1500" b="1" spc="-40" dirty="0">
-                <a:solidFill>
-                  <a:srgbClr val="333333"/>
-                </a:solidFill>
-                <a:latin typeface="Arial"/>
-                <a:cs typeface="Arial"/>
-              </a:rPr>
-              <a:t> </a:t>
-            </a:r>
-            <a:r>
-              <a:rPr sz="1500" b="1" spc="215" dirty="0">
-                <a:solidFill>
-                  <a:srgbClr val="333333"/>
-                </a:solidFill>
-                <a:latin typeface="Arial"/>
-                <a:cs typeface="Arial"/>
-              </a:rPr>
-              <a:t>ﻢﻋﺪﻟا</a:t>
-            </a:r>
-            <a:r>
-              <a:rPr sz="1500" b="1" spc="-35" dirty="0">
-                <a:solidFill>
-                  <a:srgbClr val="333333"/>
-                </a:solidFill>
-                <a:latin typeface="Arial"/>
-                <a:cs typeface="Arial"/>
-              </a:rPr>
-              <a:t> </a:t>
-            </a:r>
-            <a:r>
-              <a:rPr sz="1500" b="1" spc="265" dirty="0">
-                <a:solidFill>
-                  <a:srgbClr val="333333"/>
-                </a:solidFill>
-                <a:latin typeface="Arial"/>
-                <a:cs typeface="Arial"/>
-              </a:rPr>
-              <a:t>تﺎﻋﺎﺳ</a:t>
-            </a:r>
-            <a:endParaRPr sz="1500">
-              <a:latin typeface="Arial"/>
-              <a:cs typeface="Arial"/>
-            </a:endParaRPr>
-          </a:p>
-        </p:txBody>
-      </p:sp>
-      <p:grpSp>
-        <p:nvGrpSpPr>
-          <p:cNvPr id="29" name="object 29"/>
-          <p:cNvGrpSpPr/>
-          <p:nvPr/>
-        </p:nvGrpSpPr>
-        <p:grpSpPr>
-          <a:xfrm>
-            <a:off x="11010899" y="4191794"/>
-            <a:ext cx="152400" cy="762000"/>
-            <a:chOff x="11010899" y="4191000"/>
-            <a:chExt cx="152400" cy="762000"/>
-          </a:xfrm>
-        </p:grpSpPr>
-        <p:pic>
-          <p:nvPicPr>
-            <p:cNvPr id="30" name="object 30"/>
-            <p:cNvPicPr/>
-            <p:nvPr/>
-          </p:nvPicPr>
-          <p:blipFill>
-            <a:blip r:embed="rId5" cstate="print"/>
-            <a:stretch>
-              <a:fillRect/>
-            </a:stretch>
-          </p:blipFill>
-          <p:spPr>
-            <a:xfrm>
-              <a:off x="11010899" y="4191000"/>
-              <a:ext cx="152399" cy="152399"/>
-            </a:xfrm>
-            <a:prstGeom prst="rect">
-              <a:avLst/>
-            </a:prstGeom>
-          </p:spPr>
-        </p:pic>
-        <p:pic>
-          <p:nvPicPr>
-            <p:cNvPr id="31" name="object 31"/>
-            <p:cNvPicPr/>
-            <p:nvPr/>
-          </p:nvPicPr>
-          <p:blipFill>
-            <a:blip r:embed="rId5" cstate="print"/>
-            <a:stretch>
-              <a:fillRect/>
-            </a:stretch>
-          </p:blipFill>
-          <p:spPr>
-            <a:xfrm>
-              <a:off x="11010899" y="4495799"/>
-              <a:ext cx="152399" cy="152399"/>
-            </a:xfrm>
-            <a:prstGeom prst="rect">
-              <a:avLst/>
-            </a:prstGeom>
-          </p:spPr>
-        </p:pic>
-        <p:pic>
-          <p:nvPicPr>
-            <p:cNvPr id="32" name="object 32"/>
-            <p:cNvPicPr/>
-            <p:nvPr/>
-          </p:nvPicPr>
-          <p:blipFill>
-            <a:blip r:embed="rId5" cstate="print"/>
-            <a:stretch>
-              <a:fillRect/>
-            </a:stretch>
-          </p:blipFill>
-          <p:spPr>
-            <a:xfrm>
-              <a:off x="11010899" y="4800599"/>
-              <a:ext cx="152399" cy="152399"/>
-            </a:xfrm>
-            <a:prstGeom prst="rect">
-              <a:avLst/>
-            </a:prstGeom>
-          </p:spPr>
-        </p:pic>
-      </p:grpSp>
-      <p:sp>
-        <p:nvSpPr>
-          <p:cNvPr id="33" name="object 33"/>
-          <p:cNvSpPr txBox="1"/>
-          <p:nvPr/>
-        </p:nvSpPr>
-        <p:spPr>
-          <a:xfrm>
-            <a:off x="8354317" y="4121944"/>
-            <a:ext cx="2618740" cy="197490"/>
-          </a:xfrm>
-          <a:prstGeom prst="rect">
-            <a:avLst/>
-          </a:prstGeom>
-        </p:spPr>
-        <p:txBody>
-          <a:bodyPr vert="horz" wrap="square" lIns="0" tIns="12700" rIns="0" bIns="0" rtlCol="0">
-            <a:spAutoFit/>
-          </a:bodyPr>
-          <a:lstStyle/>
-          <a:p>
-            <a:pPr marL="38100" marR="30480" algn="r">
-              <a:spcBef>
-                <a:spcPts val="100"/>
-              </a:spcBef>
-            </a:pPr>
-            <a:r>
-              <a:rPr baseline="6944" dirty="0">
-                <a:solidFill>
-                  <a:srgbClr val="333333"/>
-                </a:solidFill>
-                <a:latin typeface="Calibri"/>
-                <a:cs typeface="Calibri"/>
-              </a:rPr>
-              <a:t>اً</a:t>
-            </a:r>
-            <a:r>
-              <a:rPr spc="22" baseline="6944" dirty="0">
-                <a:solidFill>
-                  <a:srgbClr val="333333"/>
-                </a:solidFill>
-                <a:latin typeface="Calibri"/>
-                <a:cs typeface="Calibri"/>
-              </a:rPr>
-              <a:t> </a:t>
-            </a:r>
-            <a:r>
-              <a:rPr sz="1200" spc="150" dirty="0">
-                <a:solidFill>
-                  <a:srgbClr val="333333"/>
-                </a:solidFill>
-                <a:latin typeface="Calibri"/>
-                <a:cs typeface="Calibri"/>
-              </a:rPr>
-              <a:t>ﺮﻬﻇ</a:t>
-            </a:r>
-            <a:r>
-              <a:rPr sz="1200" spc="-20" dirty="0">
-                <a:solidFill>
-                  <a:srgbClr val="333333"/>
-                </a:solidFill>
-                <a:latin typeface="Calibri"/>
-                <a:cs typeface="Calibri"/>
-              </a:rPr>
-              <a:t> </a:t>
-            </a:r>
-            <a:r>
-              <a:rPr sz="1200" spc="-25" dirty="0">
-                <a:solidFill>
-                  <a:srgbClr val="333333"/>
-                </a:solidFill>
-                <a:latin typeface="Calibri"/>
-                <a:cs typeface="Calibri"/>
-              </a:rPr>
-              <a:t>12:00</a:t>
-            </a:r>
-            <a:r>
-              <a:rPr sz="1200" spc="-20" dirty="0">
-                <a:solidFill>
-                  <a:srgbClr val="333333"/>
-                </a:solidFill>
-                <a:latin typeface="Calibri"/>
-                <a:cs typeface="Calibri"/>
-              </a:rPr>
-              <a:t> </a:t>
-            </a:r>
-            <a:r>
-              <a:rPr sz="1200" dirty="0">
-                <a:solidFill>
-                  <a:srgbClr val="333333"/>
-                </a:solidFill>
-                <a:latin typeface="Calibri"/>
-                <a:cs typeface="Calibri"/>
-              </a:rPr>
-              <a:t>-</a:t>
-            </a:r>
-            <a:r>
-              <a:rPr sz="1200" spc="-25" dirty="0">
-                <a:solidFill>
-                  <a:srgbClr val="333333"/>
-                </a:solidFill>
-                <a:latin typeface="Calibri"/>
-                <a:cs typeface="Calibri"/>
-              </a:rPr>
-              <a:t> </a:t>
-            </a:r>
-            <a:r>
-              <a:rPr baseline="6944" dirty="0">
-                <a:solidFill>
-                  <a:srgbClr val="333333"/>
-                </a:solidFill>
-                <a:latin typeface="Calibri"/>
-                <a:cs typeface="Calibri"/>
-              </a:rPr>
-              <a:t>ﺎً </a:t>
-            </a:r>
-            <a:r>
-              <a:rPr sz="1200" spc="70" dirty="0">
-                <a:solidFill>
-                  <a:srgbClr val="333333"/>
-                </a:solidFill>
-                <a:latin typeface="Calibri"/>
-                <a:cs typeface="Calibri"/>
-              </a:rPr>
-              <a:t>ﺣﺎﺒﺻ</a:t>
-            </a:r>
-            <a:r>
-              <a:rPr sz="1200" spc="-20" dirty="0">
-                <a:solidFill>
-                  <a:srgbClr val="333333"/>
-                </a:solidFill>
-                <a:latin typeface="Calibri"/>
-                <a:cs typeface="Calibri"/>
-              </a:rPr>
-              <a:t> </a:t>
-            </a:r>
-            <a:r>
-              <a:rPr sz="1200" dirty="0">
-                <a:solidFill>
-                  <a:srgbClr val="333333"/>
-                </a:solidFill>
-                <a:latin typeface="Calibri"/>
-                <a:cs typeface="Calibri"/>
-              </a:rPr>
-              <a:t>10:00</a:t>
-            </a:r>
-            <a:r>
-              <a:rPr sz="1200" spc="-20" dirty="0">
-                <a:solidFill>
-                  <a:srgbClr val="333333"/>
-                </a:solidFill>
-                <a:latin typeface="Calibri"/>
-                <a:cs typeface="Calibri"/>
-              </a:rPr>
-              <a:t> </a:t>
-            </a:r>
-            <a:r>
-              <a:rPr sz="1200" b="1" spc="100" dirty="0">
-                <a:solidFill>
-                  <a:srgbClr val="333333"/>
-                </a:solidFill>
-                <a:latin typeface="Arial"/>
-                <a:cs typeface="Arial"/>
-              </a:rPr>
-              <a:t>:ءﺎﺛﻼﺜﻟاو</a:t>
-            </a:r>
-            <a:r>
-              <a:rPr sz="1200" b="1" spc="-85" dirty="0">
-                <a:solidFill>
-                  <a:srgbClr val="333333"/>
-                </a:solidFill>
-                <a:latin typeface="Arial"/>
-                <a:cs typeface="Arial"/>
-              </a:rPr>
-              <a:t> </a:t>
-            </a:r>
-            <a:r>
-              <a:rPr sz="1200" b="1" spc="60" dirty="0">
-                <a:solidFill>
-                  <a:srgbClr val="333333"/>
-                </a:solidFill>
-                <a:latin typeface="Arial"/>
-                <a:cs typeface="Arial"/>
-              </a:rPr>
-              <a:t>ﺪﺣﻷا</a:t>
-            </a:r>
-            <a:endParaRPr sz="1200">
-              <a:latin typeface="Arial"/>
-              <a:cs typeface="Arial"/>
-            </a:endParaRPr>
-          </a:p>
-        </p:txBody>
-      </p:sp>
-      <p:sp>
-        <p:nvSpPr>
-          <p:cNvPr id="34" name="object 34"/>
-          <p:cNvSpPr txBox="1"/>
-          <p:nvPr/>
-        </p:nvSpPr>
-        <p:spPr>
-          <a:xfrm>
-            <a:off x="9207203" y="4437564"/>
-            <a:ext cx="1740535" cy="197490"/>
-          </a:xfrm>
-          <a:prstGeom prst="rect">
-            <a:avLst/>
-          </a:prstGeom>
-        </p:spPr>
-        <p:txBody>
-          <a:bodyPr vert="horz" wrap="square" lIns="0" tIns="12700" rIns="0" bIns="0" rtlCol="0">
-            <a:spAutoFit/>
-          </a:bodyPr>
-          <a:lstStyle/>
-          <a:p>
-            <a:pPr marL="12700" marR="5080" algn="r">
-              <a:spcBef>
-                <a:spcPts val="100"/>
-              </a:spcBef>
-            </a:pPr>
-            <a:r>
-              <a:rPr sz="1200" dirty="0">
-                <a:solidFill>
-                  <a:srgbClr val="333333"/>
-                </a:solidFill>
-                <a:latin typeface="Calibri"/>
-                <a:cs typeface="Calibri"/>
-              </a:rPr>
-              <a:t>ءً</a:t>
-            </a:r>
-            <a:r>
-              <a:rPr sz="1200" spc="114" dirty="0">
-                <a:solidFill>
-                  <a:srgbClr val="333333"/>
-                </a:solidFill>
-                <a:latin typeface="Calibri"/>
-                <a:cs typeface="Calibri"/>
-              </a:rPr>
-              <a:t> </a:t>
-            </a:r>
-            <a:r>
-              <a:rPr spc="345" baseline="4629" dirty="0">
-                <a:solidFill>
-                  <a:srgbClr val="333333"/>
-                </a:solidFill>
-                <a:latin typeface="Calibri"/>
-                <a:cs typeface="Calibri"/>
-              </a:rPr>
-              <a:t>ﺎﺴﻣ</a:t>
-            </a:r>
-            <a:r>
-              <a:rPr spc="-15" baseline="4629" dirty="0">
-                <a:solidFill>
-                  <a:srgbClr val="333333"/>
-                </a:solidFill>
-                <a:latin typeface="Calibri"/>
-                <a:cs typeface="Calibri"/>
-              </a:rPr>
-              <a:t> </a:t>
-            </a:r>
-            <a:r>
-              <a:rPr baseline="4629" dirty="0">
-                <a:solidFill>
-                  <a:srgbClr val="333333"/>
-                </a:solidFill>
-                <a:latin typeface="Calibri"/>
-                <a:cs typeface="Calibri"/>
-              </a:rPr>
-              <a:t>3:00</a:t>
-            </a:r>
-            <a:r>
-              <a:rPr spc="-15" baseline="4629" dirty="0">
-                <a:solidFill>
-                  <a:srgbClr val="333333"/>
-                </a:solidFill>
-                <a:latin typeface="Calibri"/>
-                <a:cs typeface="Calibri"/>
-              </a:rPr>
-              <a:t> </a:t>
-            </a:r>
-            <a:r>
-              <a:rPr baseline="4629" dirty="0">
-                <a:solidFill>
-                  <a:srgbClr val="333333"/>
-                </a:solidFill>
-                <a:latin typeface="Calibri"/>
-                <a:cs typeface="Calibri"/>
-              </a:rPr>
-              <a:t>-</a:t>
-            </a:r>
-            <a:r>
-              <a:rPr spc="-22" baseline="4629" dirty="0">
-                <a:solidFill>
-                  <a:srgbClr val="333333"/>
-                </a:solidFill>
-                <a:latin typeface="Calibri"/>
-                <a:cs typeface="Calibri"/>
-              </a:rPr>
-              <a:t> </a:t>
-            </a:r>
-            <a:r>
-              <a:rPr spc="-30" baseline="4629" dirty="0">
-                <a:solidFill>
-                  <a:srgbClr val="333333"/>
-                </a:solidFill>
-                <a:latin typeface="Calibri"/>
-                <a:cs typeface="Calibri"/>
-              </a:rPr>
-              <a:t>1:00</a:t>
-            </a:r>
-            <a:r>
-              <a:rPr spc="-15" baseline="4629" dirty="0">
-                <a:solidFill>
-                  <a:srgbClr val="333333"/>
-                </a:solidFill>
-                <a:latin typeface="Calibri"/>
-                <a:cs typeface="Calibri"/>
-              </a:rPr>
-              <a:t> </a:t>
-            </a:r>
-            <a:r>
-              <a:rPr b="1" spc="225" baseline="4629" dirty="0">
-                <a:solidFill>
-                  <a:srgbClr val="333333"/>
-                </a:solidFill>
-                <a:latin typeface="Arial"/>
-                <a:cs typeface="Arial"/>
-              </a:rPr>
-              <a:t>:ﺲﻴﻤﺨﻟا</a:t>
-            </a:r>
-            <a:endParaRPr baseline="4629">
-              <a:latin typeface="Arial"/>
-              <a:cs typeface="Arial"/>
-            </a:endParaRPr>
-          </a:p>
-        </p:txBody>
-      </p:sp>
-      <p:sp>
-        <p:nvSpPr>
-          <p:cNvPr id="35" name="object 35"/>
-          <p:cNvSpPr txBox="1"/>
-          <p:nvPr/>
-        </p:nvSpPr>
-        <p:spPr>
-          <a:xfrm>
-            <a:off x="8177460" y="4731544"/>
-            <a:ext cx="2769870" cy="197490"/>
-          </a:xfrm>
-          <a:prstGeom prst="rect">
-            <a:avLst/>
-          </a:prstGeom>
-        </p:spPr>
-        <p:txBody>
-          <a:bodyPr vert="horz" wrap="square" lIns="0" tIns="12700" rIns="0" bIns="0" rtlCol="0">
-            <a:spAutoFit/>
-          </a:bodyPr>
-          <a:lstStyle/>
-          <a:p>
-            <a:pPr marL="12700" marR="5080" algn="r">
-              <a:spcBef>
-                <a:spcPts val="100"/>
-              </a:spcBef>
-            </a:pPr>
-            <a:r>
-              <a:rPr sz="1200" spc="50" dirty="0">
-                <a:solidFill>
-                  <a:srgbClr val="333333"/>
-                </a:solidFill>
-                <a:latin typeface="Calibri"/>
-                <a:cs typeface="Calibri"/>
-              </a:rPr>
-              <a:t>ﻲﻧوﺮﺘﻜﻟﻹا</a:t>
-            </a:r>
-            <a:r>
-              <a:rPr sz="1200" spc="55" dirty="0">
-                <a:solidFill>
-                  <a:srgbClr val="333333"/>
-                </a:solidFill>
-                <a:latin typeface="Calibri"/>
-                <a:cs typeface="Calibri"/>
-              </a:rPr>
-              <a:t> </a:t>
-            </a:r>
-            <a:r>
-              <a:rPr sz="1200" dirty="0">
-                <a:solidFill>
-                  <a:srgbClr val="333333"/>
-                </a:solidFill>
-                <a:latin typeface="Calibri"/>
-                <a:cs typeface="Calibri"/>
-              </a:rPr>
-              <a:t>ﺪﻳﺮﺒﻟا</a:t>
-            </a:r>
-            <a:r>
-              <a:rPr sz="1200" spc="55" dirty="0">
-                <a:solidFill>
-                  <a:srgbClr val="333333"/>
-                </a:solidFill>
-                <a:latin typeface="Calibri"/>
-                <a:cs typeface="Calibri"/>
-              </a:rPr>
-              <a:t> </a:t>
-            </a:r>
-            <a:r>
-              <a:rPr sz="1200" dirty="0">
-                <a:solidFill>
-                  <a:srgbClr val="333333"/>
-                </a:solidFill>
-                <a:latin typeface="Calibri"/>
-                <a:cs typeface="Calibri"/>
-              </a:rPr>
-              <a:t>ﺮﺒﻋ</a:t>
-            </a:r>
-            <a:r>
-              <a:rPr sz="1200" spc="60" dirty="0">
-                <a:solidFill>
-                  <a:srgbClr val="333333"/>
-                </a:solidFill>
-                <a:latin typeface="Calibri"/>
-                <a:cs typeface="Calibri"/>
-              </a:rPr>
-              <a:t> </a:t>
-            </a:r>
-            <a:r>
-              <a:rPr sz="1200" spc="120" dirty="0">
-                <a:solidFill>
-                  <a:srgbClr val="333333"/>
-                </a:solidFill>
-                <a:latin typeface="Calibri"/>
-                <a:cs typeface="Calibri"/>
-              </a:rPr>
-              <a:t>ﺔﻴﻓﺎﺿإ</a:t>
-            </a:r>
-            <a:r>
-              <a:rPr sz="1200" spc="55" dirty="0">
-                <a:solidFill>
-                  <a:srgbClr val="333333"/>
-                </a:solidFill>
-                <a:latin typeface="Calibri"/>
-                <a:cs typeface="Calibri"/>
-              </a:rPr>
-              <a:t> </a:t>
-            </a:r>
-            <a:r>
-              <a:rPr sz="1200" spc="75" dirty="0">
-                <a:solidFill>
-                  <a:srgbClr val="333333"/>
-                </a:solidFill>
-                <a:latin typeface="Calibri"/>
-                <a:cs typeface="Calibri"/>
-              </a:rPr>
-              <a:t>ﺪﻴﻋاﻮﻣ</a:t>
-            </a:r>
-            <a:r>
-              <a:rPr sz="1200" spc="60" dirty="0">
-                <a:solidFill>
-                  <a:srgbClr val="333333"/>
-                </a:solidFill>
-                <a:latin typeface="Calibri"/>
-                <a:cs typeface="Calibri"/>
-              </a:rPr>
-              <a:t> </a:t>
-            </a:r>
-            <a:r>
-              <a:rPr sz="1200" spc="-45" dirty="0">
-                <a:solidFill>
-                  <a:srgbClr val="333333"/>
-                </a:solidFill>
-                <a:latin typeface="Calibri"/>
-                <a:cs typeface="Calibri"/>
-              </a:rPr>
-              <a:t>ﺰﺠﺣ</a:t>
-            </a:r>
-            <a:r>
-              <a:rPr sz="1200" spc="55" dirty="0">
-                <a:solidFill>
-                  <a:srgbClr val="333333"/>
-                </a:solidFill>
-                <a:latin typeface="Calibri"/>
-                <a:cs typeface="Calibri"/>
-              </a:rPr>
-              <a:t> </a:t>
-            </a:r>
-            <a:r>
-              <a:rPr sz="1200" spc="105" dirty="0">
-                <a:solidFill>
-                  <a:srgbClr val="333333"/>
-                </a:solidFill>
-                <a:latin typeface="Calibri"/>
-                <a:cs typeface="Calibri"/>
-              </a:rPr>
-              <a:t>ﻦﻜﻤﻳ</a:t>
-            </a:r>
-            <a:endParaRPr sz="1200">
-              <a:latin typeface="Calibri"/>
-              <a:cs typeface="Calibri"/>
-            </a:endParaRPr>
-          </a:p>
-        </p:txBody>
-      </p:sp>
-      <p:grpSp>
-        <p:nvGrpSpPr>
-          <p:cNvPr id="36" name="object 36"/>
-          <p:cNvGrpSpPr/>
-          <p:nvPr/>
-        </p:nvGrpSpPr>
-        <p:grpSpPr>
-          <a:xfrm>
-            <a:off x="609599" y="3582193"/>
-            <a:ext cx="5372100" cy="1600200"/>
-            <a:chOff x="609599" y="3581399"/>
-            <a:chExt cx="5372100" cy="1600200"/>
-          </a:xfrm>
-        </p:grpSpPr>
-        <p:sp>
-          <p:nvSpPr>
-            <p:cNvPr id="37" name="object 37"/>
-            <p:cNvSpPr/>
-            <p:nvPr/>
-          </p:nvSpPr>
-          <p:spPr>
-            <a:xfrm>
-              <a:off x="609599" y="3581399"/>
-              <a:ext cx="5372100" cy="1600200"/>
-            </a:xfrm>
-            <a:custGeom>
-              <a:avLst/>
-              <a:gdLst/>
-              <a:ahLst/>
-              <a:cxnLst/>
-              <a:rect l="l" t="t" r="r" b="b"/>
-              <a:pathLst>
-                <a:path w="5372100" h="1600200">
-                  <a:moveTo>
-                    <a:pt x="5300902" y="1600199"/>
-                  </a:moveTo>
-                  <a:lnTo>
-                    <a:pt x="71196" y="1600199"/>
-                  </a:lnTo>
-                  <a:lnTo>
-                    <a:pt x="66241" y="1599710"/>
-                  </a:lnTo>
-                  <a:lnTo>
-                    <a:pt x="29705" y="1584577"/>
-                  </a:lnTo>
-                  <a:lnTo>
-                    <a:pt x="3885" y="1548537"/>
-                  </a:lnTo>
-                  <a:lnTo>
-                    <a:pt x="0" y="1529003"/>
-                  </a:lnTo>
-                  <a:lnTo>
-                    <a:pt x="0" y="1523999"/>
-                  </a:lnTo>
-                  <a:lnTo>
-                    <a:pt x="0" y="71196"/>
-                  </a:lnTo>
-                  <a:lnTo>
-                    <a:pt x="15621" y="29705"/>
-                  </a:lnTo>
-                  <a:lnTo>
-                    <a:pt x="51661" y="3885"/>
-                  </a:lnTo>
-                  <a:lnTo>
-                    <a:pt x="71196" y="0"/>
-                  </a:lnTo>
-                  <a:lnTo>
-                    <a:pt x="5300902" y="0"/>
-                  </a:lnTo>
-                  <a:lnTo>
-                    <a:pt x="5342393" y="15621"/>
-                  </a:lnTo>
-                  <a:lnTo>
-                    <a:pt x="5368212" y="51661"/>
-                  </a:lnTo>
-                  <a:lnTo>
-                    <a:pt x="5372099" y="71196"/>
-                  </a:lnTo>
-                  <a:lnTo>
-                    <a:pt x="5372099" y="1529003"/>
-                  </a:lnTo>
-                  <a:lnTo>
-                    <a:pt x="5356476" y="1570494"/>
-                  </a:lnTo>
-                  <a:lnTo>
-                    <a:pt x="5320437" y="1596312"/>
-                  </a:lnTo>
-                  <a:lnTo>
-                    <a:pt x="5305857" y="1599710"/>
-                  </a:lnTo>
-                  <a:lnTo>
-                    <a:pt x="5300902" y="1600199"/>
-                  </a:lnTo>
-                  <a:close/>
-                </a:path>
-              </a:pathLst>
-            </a:custGeom>
-            <a:solidFill>
-              <a:srgbClr val="F9FAFA"/>
-            </a:solidFill>
-          </p:spPr>
-          <p:txBody>
-            <a:bodyPr wrap="square" lIns="0" tIns="0" rIns="0" bIns="0" rtlCol="0"/>
-            <a:lstStyle/>
-            <a:p>
-              <a:endParaRPr/>
-            </a:p>
-          </p:txBody>
-        </p:sp>
-        <p:pic>
-          <p:nvPicPr>
-            <p:cNvPr id="38" name="object 38"/>
-            <p:cNvPicPr/>
-            <p:nvPr/>
-          </p:nvPicPr>
-          <p:blipFill>
-            <a:blip r:embed="rId6" cstate="print"/>
-            <a:stretch>
-              <a:fillRect/>
-            </a:stretch>
-          </p:blipFill>
-          <p:spPr>
-            <a:xfrm>
-              <a:off x="5559709" y="3817938"/>
-              <a:ext cx="224854" cy="174621"/>
-            </a:xfrm>
-            <a:prstGeom prst="rect">
-              <a:avLst/>
-            </a:prstGeom>
-          </p:spPr>
-        </p:pic>
-      </p:grpSp>
-      <p:sp>
-        <p:nvSpPr>
-          <p:cNvPr id="39" name="object 39"/>
-          <p:cNvSpPr txBox="1"/>
-          <p:nvPr/>
-        </p:nvSpPr>
-        <p:spPr>
-          <a:xfrm>
-            <a:off x="4486077" y="3731419"/>
-            <a:ext cx="1003935" cy="243656"/>
-          </a:xfrm>
-          <a:prstGeom prst="rect">
-            <a:avLst/>
-          </a:prstGeom>
-        </p:spPr>
-        <p:txBody>
-          <a:bodyPr vert="horz" wrap="square" lIns="0" tIns="12700" rIns="0" bIns="0" rtlCol="0">
-            <a:spAutoFit/>
-          </a:bodyPr>
-          <a:lstStyle/>
-          <a:p>
-            <a:pPr marL="12700" marR="5080" algn="r">
-              <a:spcBef>
-                <a:spcPts val="100"/>
-              </a:spcBef>
-            </a:pPr>
-            <a:r>
-              <a:rPr sz="1500" b="1" spc="270" dirty="0">
-                <a:solidFill>
-                  <a:srgbClr val="333333"/>
-                </a:solidFill>
-                <a:latin typeface="Arial"/>
-                <a:cs typeface="Arial"/>
-              </a:rPr>
-              <a:t>ةﺪﻴﻔﻣ</a:t>
-            </a:r>
-            <a:r>
-              <a:rPr sz="1500" b="1" spc="-60" dirty="0">
-                <a:solidFill>
-                  <a:srgbClr val="333333"/>
-                </a:solidFill>
-                <a:latin typeface="Arial"/>
-                <a:cs typeface="Arial"/>
-              </a:rPr>
-              <a:t> </a:t>
-            </a:r>
-            <a:r>
-              <a:rPr sz="1500" b="1" spc="100" dirty="0">
-                <a:solidFill>
-                  <a:srgbClr val="333333"/>
-                </a:solidFill>
-                <a:latin typeface="Arial"/>
-                <a:cs typeface="Arial"/>
-              </a:rPr>
-              <a:t>دراﻮﻣ</a:t>
-            </a:r>
-            <a:endParaRPr sz="1500">
-              <a:latin typeface="Arial"/>
-              <a:cs typeface="Arial"/>
-            </a:endParaRPr>
-          </a:p>
-        </p:txBody>
-      </p:sp>
-      <p:grpSp>
-        <p:nvGrpSpPr>
-          <p:cNvPr id="40" name="object 40"/>
-          <p:cNvGrpSpPr/>
-          <p:nvPr/>
-        </p:nvGrpSpPr>
-        <p:grpSpPr>
-          <a:xfrm>
-            <a:off x="5410199" y="4191794"/>
-            <a:ext cx="157480" cy="762000"/>
-            <a:chOff x="5410199" y="4191000"/>
-            <a:chExt cx="157480" cy="762000"/>
-          </a:xfrm>
-        </p:grpSpPr>
-        <p:pic>
-          <p:nvPicPr>
-            <p:cNvPr id="41" name="object 41"/>
-            <p:cNvPicPr/>
-            <p:nvPr/>
-          </p:nvPicPr>
-          <p:blipFill>
-            <a:blip r:embed="rId7" cstate="print"/>
-            <a:stretch>
-              <a:fillRect/>
-            </a:stretch>
-          </p:blipFill>
-          <p:spPr>
-            <a:xfrm>
-              <a:off x="5410199" y="4191000"/>
-              <a:ext cx="152399" cy="152399"/>
-            </a:xfrm>
-            <a:prstGeom prst="rect">
-              <a:avLst/>
-            </a:prstGeom>
-          </p:spPr>
-        </p:pic>
-        <p:pic>
-          <p:nvPicPr>
-            <p:cNvPr id="42" name="object 42"/>
-            <p:cNvPicPr/>
-            <p:nvPr/>
-          </p:nvPicPr>
-          <p:blipFill>
-            <a:blip r:embed="rId8" cstate="print"/>
-            <a:stretch>
-              <a:fillRect/>
-            </a:stretch>
-          </p:blipFill>
-          <p:spPr>
-            <a:xfrm>
-              <a:off x="5419724" y="4498181"/>
-              <a:ext cx="147637" cy="144452"/>
-            </a:xfrm>
-            <a:prstGeom prst="rect">
-              <a:avLst/>
-            </a:prstGeom>
-          </p:spPr>
-        </p:pic>
-        <p:pic>
-          <p:nvPicPr>
-            <p:cNvPr id="43" name="object 43"/>
-            <p:cNvPicPr/>
-            <p:nvPr/>
-          </p:nvPicPr>
-          <p:blipFill>
-            <a:blip r:embed="rId9" cstate="print"/>
-            <a:stretch>
-              <a:fillRect/>
-            </a:stretch>
-          </p:blipFill>
-          <p:spPr>
-            <a:xfrm>
-              <a:off x="5429249" y="4800599"/>
-              <a:ext cx="133349" cy="152399"/>
-            </a:xfrm>
-            <a:prstGeom prst="rect">
-              <a:avLst/>
-            </a:prstGeom>
-          </p:spPr>
-        </p:pic>
-      </p:grpSp>
-      <p:sp>
-        <p:nvSpPr>
-          <p:cNvPr id="44" name="object 44"/>
-          <p:cNvSpPr txBox="1"/>
-          <p:nvPr/>
-        </p:nvSpPr>
-        <p:spPr>
-          <a:xfrm>
-            <a:off x="3242023" y="4121944"/>
-            <a:ext cx="2105025" cy="197490"/>
-          </a:xfrm>
-          <a:prstGeom prst="rect">
-            <a:avLst/>
-          </a:prstGeom>
-        </p:spPr>
-        <p:txBody>
-          <a:bodyPr vert="horz" wrap="square" lIns="0" tIns="12700" rIns="0" bIns="0" rtlCol="0">
-            <a:spAutoFit/>
-          </a:bodyPr>
-          <a:lstStyle/>
-          <a:p>
-            <a:pPr marL="12700">
-              <a:spcBef>
-                <a:spcPts val="100"/>
-              </a:spcBef>
-            </a:pPr>
-            <a:r>
-              <a:rPr sz="1200" dirty="0">
-                <a:solidFill>
-                  <a:srgbClr val="333333"/>
-                </a:solidFill>
-                <a:latin typeface="Calibri"/>
-                <a:cs typeface="Calibri"/>
-              </a:rPr>
-              <a:t>learn.example.com</a:t>
-            </a:r>
-            <a:r>
-              <a:rPr sz="1200" spc="105" dirty="0">
-                <a:solidFill>
-                  <a:srgbClr val="333333"/>
-                </a:solidFill>
-                <a:latin typeface="Calibri"/>
-                <a:cs typeface="Calibri"/>
-              </a:rPr>
-              <a:t> </a:t>
-            </a:r>
-            <a:r>
-              <a:rPr sz="1200" spc="90" dirty="0">
-                <a:solidFill>
-                  <a:srgbClr val="333333"/>
-                </a:solidFill>
-                <a:latin typeface="Calibri"/>
-                <a:cs typeface="Calibri"/>
-              </a:rPr>
-              <a:t>:ﻢﻠﻌﺘﻟا</a:t>
-            </a:r>
-            <a:r>
-              <a:rPr sz="1200" spc="110" dirty="0">
-                <a:solidFill>
-                  <a:srgbClr val="333333"/>
-                </a:solidFill>
-                <a:latin typeface="Calibri"/>
-                <a:cs typeface="Calibri"/>
-              </a:rPr>
-              <a:t> </a:t>
-            </a:r>
-            <a:r>
-              <a:rPr sz="1200" spc="130" dirty="0">
-                <a:solidFill>
-                  <a:srgbClr val="333333"/>
-                </a:solidFill>
-                <a:latin typeface="Calibri"/>
-                <a:cs typeface="Calibri"/>
-              </a:rPr>
-              <a:t>ﺔﺼﻨﻣ</a:t>
-            </a:r>
-            <a:endParaRPr sz="1200">
-              <a:latin typeface="Calibri"/>
-              <a:cs typeface="Calibri"/>
-            </a:endParaRPr>
-          </a:p>
-        </p:txBody>
-      </p:sp>
-      <p:sp>
-        <p:nvSpPr>
-          <p:cNvPr id="45" name="object 45"/>
-          <p:cNvSpPr txBox="1"/>
-          <p:nvPr/>
-        </p:nvSpPr>
-        <p:spPr>
-          <a:xfrm>
-            <a:off x="2318841" y="4426744"/>
-            <a:ext cx="3032760" cy="197490"/>
-          </a:xfrm>
-          <a:prstGeom prst="rect">
-            <a:avLst/>
-          </a:prstGeom>
-        </p:spPr>
-        <p:txBody>
-          <a:bodyPr vert="horz" wrap="square" lIns="0" tIns="12700" rIns="0" bIns="0" rtlCol="0">
-            <a:spAutoFit/>
-          </a:bodyPr>
-          <a:lstStyle/>
-          <a:p>
-            <a:pPr marL="12700">
-              <a:spcBef>
-                <a:spcPts val="100"/>
-              </a:spcBef>
-            </a:pPr>
-            <a:r>
-              <a:rPr sz="1200" dirty="0">
-                <a:solidFill>
-                  <a:srgbClr val="333333"/>
-                </a:solidFill>
-                <a:latin typeface="Calibri"/>
-                <a:cs typeface="Calibri"/>
-              </a:rPr>
-              <a:t>github.com/html-css-course</a:t>
-            </a:r>
-            <a:r>
-              <a:rPr sz="1200" spc="185" dirty="0">
-                <a:solidFill>
-                  <a:srgbClr val="333333"/>
-                </a:solidFill>
-                <a:latin typeface="Calibri"/>
-                <a:cs typeface="Calibri"/>
-              </a:rPr>
-              <a:t> </a:t>
-            </a:r>
-            <a:r>
-              <a:rPr sz="1200" spc="105" dirty="0">
-                <a:solidFill>
-                  <a:srgbClr val="333333"/>
-                </a:solidFill>
-                <a:latin typeface="Calibri"/>
-                <a:cs typeface="Calibri"/>
-              </a:rPr>
-              <a:t>:ﻊﻳرﺎﺸﻤﻟا</a:t>
-            </a:r>
-            <a:r>
-              <a:rPr sz="1200" spc="185" dirty="0">
-                <a:solidFill>
-                  <a:srgbClr val="333333"/>
-                </a:solidFill>
-                <a:latin typeface="Calibri"/>
-                <a:cs typeface="Calibri"/>
-              </a:rPr>
-              <a:t> </a:t>
-            </a:r>
-            <a:r>
-              <a:rPr sz="1200" spc="105" dirty="0">
-                <a:solidFill>
-                  <a:srgbClr val="333333"/>
-                </a:solidFill>
-                <a:latin typeface="Calibri"/>
-                <a:cs typeface="Calibri"/>
-              </a:rPr>
-              <a:t>عدﻮﺘﺴﻣ</a:t>
-            </a:r>
-            <a:endParaRPr sz="1200">
-              <a:latin typeface="Calibri"/>
-              <a:cs typeface="Calibri"/>
-            </a:endParaRPr>
-          </a:p>
-        </p:txBody>
-      </p:sp>
-      <p:sp>
-        <p:nvSpPr>
-          <p:cNvPr id="46" name="object 46"/>
-          <p:cNvSpPr txBox="1"/>
-          <p:nvPr/>
-        </p:nvSpPr>
-        <p:spPr>
-          <a:xfrm>
-            <a:off x="2958505" y="4731544"/>
-            <a:ext cx="2407285" cy="197490"/>
-          </a:xfrm>
-          <a:prstGeom prst="rect">
-            <a:avLst/>
-          </a:prstGeom>
-        </p:spPr>
-        <p:txBody>
-          <a:bodyPr vert="horz" wrap="square" lIns="0" tIns="12700" rIns="0" bIns="0" rtlCol="0">
-            <a:spAutoFit/>
-          </a:bodyPr>
-          <a:lstStyle/>
-          <a:p>
-            <a:pPr marL="12700">
-              <a:spcBef>
-                <a:spcPts val="100"/>
-              </a:spcBef>
-            </a:pPr>
-            <a:r>
-              <a:rPr sz="1200" spc="10" dirty="0">
-                <a:solidFill>
-                  <a:srgbClr val="333333"/>
-                </a:solidFill>
-                <a:latin typeface="Calibri"/>
-                <a:cs typeface="Calibri"/>
-              </a:rPr>
-              <a:t>resources.example.com</a:t>
-            </a:r>
-            <a:r>
-              <a:rPr sz="1200" spc="165" dirty="0">
-                <a:solidFill>
-                  <a:srgbClr val="333333"/>
-                </a:solidFill>
-                <a:latin typeface="Calibri"/>
-                <a:cs typeface="Calibri"/>
-              </a:rPr>
-              <a:t> </a:t>
-            </a:r>
-            <a:r>
-              <a:rPr sz="1200" spc="10" dirty="0">
-                <a:solidFill>
-                  <a:srgbClr val="333333"/>
-                </a:solidFill>
-                <a:latin typeface="Calibri"/>
-                <a:cs typeface="Calibri"/>
-              </a:rPr>
-              <a:t>:دراﻮﻤﻟا</a:t>
-            </a:r>
-            <a:r>
-              <a:rPr sz="1200" spc="165" dirty="0">
-                <a:solidFill>
-                  <a:srgbClr val="333333"/>
-                </a:solidFill>
-                <a:latin typeface="Calibri"/>
-                <a:cs typeface="Calibri"/>
-              </a:rPr>
-              <a:t> </a:t>
-            </a:r>
-            <a:r>
-              <a:rPr sz="1200" spc="85" dirty="0">
-                <a:solidFill>
-                  <a:srgbClr val="333333"/>
-                </a:solidFill>
-                <a:latin typeface="Calibri"/>
-                <a:cs typeface="Calibri"/>
-              </a:rPr>
-              <a:t>ﺔﺒﺘﻜﻣ</a:t>
-            </a:r>
-            <a:endParaRPr sz="1200">
-              <a:latin typeface="Calibri"/>
-              <a:cs typeface="Calibri"/>
-            </a:endParaRPr>
-          </a:p>
-        </p:txBody>
-      </p:sp>
-      <p:sp>
-        <p:nvSpPr>
-          <p:cNvPr id="47" name="object 47"/>
-          <p:cNvSpPr txBox="1"/>
-          <p:nvPr/>
-        </p:nvSpPr>
-        <p:spPr>
-          <a:xfrm>
-            <a:off x="4475063" y="5369719"/>
-            <a:ext cx="3242310" cy="243656"/>
-          </a:xfrm>
-          <a:prstGeom prst="rect">
-            <a:avLst/>
-          </a:prstGeom>
-        </p:spPr>
-        <p:txBody>
-          <a:bodyPr vert="horz" wrap="square" lIns="0" tIns="12700" rIns="0" bIns="0" rtlCol="0">
-            <a:spAutoFit/>
-          </a:bodyPr>
-          <a:lstStyle/>
-          <a:p>
-            <a:pPr marL="12700" marR="5080" algn="r">
-              <a:spcBef>
-                <a:spcPts val="100"/>
-              </a:spcBef>
-            </a:pPr>
-            <a:r>
-              <a:rPr sz="1500" b="1" spc="150" dirty="0">
-                <a:solidFill>
-                  <a:srgbClr val="6D28D9"/>
-                </a:solidFill>
-                <a:latin typeface="Arial"/>
-                <a:cs typeface="Arial"/>
-              </a:rPr>
-              <a:t>!ةﺮﻤﺜﻣو</a:t>
-            </a:r>
-            <a:r>
-              <a:rPr sz="1500" b="1" spc="-55" dirty="0">
-                <a:solidFill>
-                  <a:srgbClr val="6D28D9"/>
-                </a:solidFill>
-                <a:latin typeface="Arial"/>
-                <a:cs typeface="Arial"/>
-              </a:rPr>
-              <a:t> </a:t>
-            </a:r>
-            <a:r>
-              <a:rPr sz="1500" b="1" spc="145" dirty="0">
-                <a:solidFill>
-                  <a:srgbClr val="6D28D9"/>
-                </a:solidFill>
-                <a:latin typeface="Arial"/>
-                <a:cs typeface="Arial"/>
-              </a:rPr>
-              <a:t>ﺔﺤﺟﺎﻧ</a:t>
-            </a:r>
-            <a:r>
-              <a:rPr sz="1500" b="1" spc="-55" dirty="0">
-                <a:solidFill>
-                  <a:srgbClr val="6D28D9"/>
-                </a:solidFill>
-                <a:latin typeface="Arial"/>
-                <a:cs typeface="Arial"/>
-              </a:rPr>
-              <a:t> </a:t>
-            </a:r>
-            <a:r>
-              <a:rPr sz="1500" b="1" spc="240" dirty="0">
-                <a:solidFill>
-                  <a:srgbClr val="6D28D9"/>
-                </a:solidFill>
-                <a:latin typeface="Arial"/>
-                <a:cs typeface="Arial"/>
-              </a:rPr>
-              <a:t>ﺔﻴﻤﻴﻠﻌﺗ</a:t>
-            </a:r>
-            <a:r>
-              <a:rPr sz="1500" b="1" spc="-55" dirty="0">
-                <a:solidFill>
-                  <a:srgbClr val="6D28D9"/>
-                </a:solidFill>
-                <a:latin typeface="Arial"/>
-                <a:cs typeface="Arial"/>
-              </a:rPr>
-              <a:t> </a:t>
-            </a:r>
-            <a:r>
-              <a:rPr sz="1500" b="1" spc="130" dirty="0">
-                <a:solidFill>
-                  <a:srgbClr val="6D28D9"/>
-                </a:solidFill>
-                <a:latin typeface="Arial"/>
-                <a:cs typeface="Arial"/>
-              </a:rPr>
-              <a:t>ﺔﺑﺮﺠﺗ</a:t>
-            </a:r>
-            <a:r>
-              <a:rPr sz="1500" b="1" spc="-55" dirty="0">
-                <a:solidFill>
-                  <a:srgbClr val="6D28D9"/>
-                </a:solidFill>
-                <a:latin typeface="Arial"/>
-                <a:cs typeface="Arial"/>
-              </a:rPr>
-              <a:t> </a:t>
-            </a:r>
-            <a:r>
-              <a:rPr sz="1500" b="1" spc="300" dirty="0">
-                <a:solidFill>
-                  <a:srgbClr val="6D28D9"/>
-                </a:solidFill>
-                <a:latin typeface="Arial"/>
-                <a:cs typeface="Arial"/>
-              </a:rPr>
-              <a:t>ﻢﻜﻟ</a:t>
-            </a:r>
-            <a:r>
-              <a:rPr sz="1500" b="1" spc="-55" dirty="0">
-                <a:solidFill>
-                  <a:srgbClr val="6D28D9"/>
-                </a:solidFill>
-                <a:latin typeface="Arial"/>
-                <a:cs typeface="Arial"/>
-              </a:rPr>
-              <a:t> </a:t>
-            </a:r>
-            <a:r>
-              <a:rPr sz="1500" b="1" spc="180" dirty="0">
-                <a:solidFill>
-                  <a:srgbClr val="6D28D9"/>
-                </a:solidFill>
-                <a:latin typeface="Arial"/>
-                <a:cs typeface="Arial"/>
-              </a:rPr>
-              <a:t>ﻰﻨﻤﺘﻧ</a:t>
-            </a:r>
-            <a:endParaRPr sz="1500">
-              <a:latin typeface="Arial"/>
-              <a:cs typeface="Arial"/>
-            </a:endParaRPr>
-          </a:p>
-        </p:txBody>
-      </p:sp>
-      <p:pic>
-        <p:nvPicPr>
-          <p:cNvPr id="48" name="object 48"/>
-          <p:cNvPicPr/>
-          <p:nvPr/>
-        </p:nvPicPr>
-        <p:blipFill>
-          <a:blip r:embed="rId10" cstate="print"/>
-          <a:stretch>
-            <a:fillRect/>
-          </a:stretch>
-        </p:blipFill>
-        <p:spPr>
-          <a:xfrm>
-            <a:off x="6172199" y="5806282"/>
-            <a:ext cx="171450" cy="200025"/>
-          </a:xfrm>
-          <a:prstGeom prst="rect">
-            <a:avLst/>
-          </a:prstGeom>
-        </p:spPr>
-      </p:pic>
-      <p:pic>
-        <p:nvPicPr>
-          <p:cNvPr id="49" name="object 49"/>
-          <p:cNvPicPr/>
-          <p:nvPr/>
-        </p:nvPicPr>
-        <p:blipFill>
-          <a:blip r:embed="rId11" cstate="print"/>
-          <a:stretch>
-            <a:fillRect/>
-          </a:stretch>
-        </p:blipFill>
-        <p:spPr>
-          <a:xfrm>
-            <a:off x="5848349" y="5806282"/>
-            <a:ext cx="171450" cy="200025"/>
-          </a:xfrm>
-          <a:prstGeom prst="rect">
-            <a:avLst/>
-          </a:prstGeom>
-        </p:spPr>
-      </p:pic>
-      <p:sp>
-        <p:nvSpPr>
-          <p:cNvPr id="50" name="object 50"/>
-          <p:cNvSpPr/>
-          <p:nvPr/>
-        </p:nvSpPr>
-        <p:spPr>
-          <a:xfrm>
-            <a:off x="0" y="6782593"/>
-            <a:ext cx="12192000" cy="76200"/>
-          </a:xfrm>
-          <a:custGeom>
-            <a:avLst/>
-            <a:gdLst/>
-            <a:ahLst/>
-            <a:cxnLst/>
-            <a:rect l="l" t="t" r="r" b="b"/>
-            <a:pathLst>
-              <a:path w="12192000" h="76200">
-                <a:moveTo>
-                  <a:pt x="12191999" y="76199"/>
-                </a:moveTo>
-                <a:lnTo>
-                  <a:pt x="0" y="76199"/>
-                </a:lnTo>
-                <a:lnTo>
-                  <a:pt x="0" y="0"/>
-                </a:lnTo>
-                <a:lnTo>
-                  <a:pt x="12191999" y="0"/>
-                </a:lnTo>
-                <a:lnTo>
-                  <a:pt x="12191999" y="76199"/>
-                </a:lnTo>
-                <a:close/>
-              </a:path>
-            </a:pathLst>
-          </a:custGeom>
-          <a:solidFill>
-            <a:srgbClr val="254DE3"/>
-          </a:solidFill>
-        </p:spPr>
-        <p:txBody>
-          <a:bodyPr wrap="square" lIns="0" tIns="0" rIns="0" bIns="0" rtlCol="0"/>
-          <a:lstStyle/>
-          <a:p>
-            <a:endParaRPr/>
-          </a:p>
-        </p:txBody>
-      </p:sp>
-      <p:grpSp>
-        <p:nvGrpSpPr>
-          <p:cNvPr id="51" name="object 51"/>
-          <p:cNvGrpSpPr/>
-          <p:nvPr/>
-        </p:nvGrpSpPr>
-        <p:grpSpPr>
-          <a:xfrm>
-            <a:off x="10610849" y="6344443"/>
-            <a:ext cx="1390650" cy="323850"/>
-            <a:chOff x="10610849" y="6343649"/>
-            <a:chExt cx="1390650" cy="323850"/>
-          </a:xfrm>
-        </p:grpSpPr>
-        <p:sp>
-          <p:nvSpPr>
-            <p:cNvPr id="52" name="object 52"/>
-            <p:cNvSpPr/>
-            <p:nvPr/>
-          </p:nvSpPr>
-          <p:spPr>
-            <a:xfrm>
-              <a:off x="10610849" y="6343649"/>
-              <a:ext cx="1390650" cy="323850"/>
-            </a:xfrm>
-            <a:custGeom>
-              <a:avLst/>
-              <a:gdLst/>
-              <a:ahLst/>
-              <a:cxnLst/>
-              <a:rect l="l" t="t" r="r" b="b"/>
-              <a:pathLst>
-                <a:path w="1390650" h="323850">
-                  <a:moveTo>
-                    <a:pt x="1357602" y="323849"/>
-                  </a:moveTo>
-                  <a:lnTo>
-                    <a:pt x="33047" y="323849"/>
-                  </a:lnTo>
-                  <a:lnTo>
-                    <a:pt x="28187" y="322883"/>
-                  </a:lnTo>
-                  <a:lnTo>
-                    <a:pt x="966" y="295662"/>
-                  </a:lnTo>
-                  <a:lnTo>
-                    <a:pt x="0" y="290802"/>
-                  </a:lnTo>
-                  <a:lnTo>
-                    <a:pt x="0" y="285749"/>
-                  </a:lnTo>
-                  <a:lnTo>
-                    <a:pt x="0" y="33047"/>
-                  </a:lnTo>
-                  <a:lnTo>
-                    <a:pt x="28187" y="966"/>
-                  </a:lnTo>
-                  <a:lnTo>
-                    <a:pt x="33047" y="0"/>
-                  </a:lnTo>
-                  <a:lnTo>
-                    <a:pt x="1357602" y="0"/>
-                  </a:lnTo>
-                  <a:lnTo>
-                    <a:pt x="1389682" y="28187"/>
-                  </a:lnTo>
-                  <a:lnTo>
-                    <a:pt x="1390649" y="33047"/>
-                  </a:lnTo>
-                  <a:lnTo>
-                    <a:pt x="1390649" y="290802"/>
-                  </a:lnTo>
-                  <a:lnTo>
-                    <a:pt x="1362462" y="322883"/>
-                  </a:lnTo>
-                  <a:lnTo>
-                    <a:pt x="1357602" y="323849"/>
-                  </a:lnTo>
-                  <a:close/>
-                </a:path>
-              </a:pathLst>
-            </a:custGeom>
-            <a:solidFill>
-              <a:srgbClr val="333333"/>
-            </a:solidFill>
-          </p:spPr>
-          <p:txBody>
-            <a:bodyPr wrap="square" lIns="0" tIns="0" rIns="0" bIns="0" rtlCol="0"/>
-            <a:lstStyle/>
-            <a:p>
-              <a:endParaRPr/>
-            </a:p>
-          </p:txBody>
-        </p:sp>
-        <p:pic>
-          <p:nvPicPr>
-            <p:cNvPr id="53" name="object 53"/>
-            <p:cNvPicPr/>
-            <p:nvPr/>
-          </p:nvPicPr>
-          <p:blipFill>
-            <a:blip r:embed="rId12" cstate="print"/>
-            <a:stretch>
-              <a:fillRect/>
-            </a:stretch>
-          </p:blipFill>
-          <p:spPr>
-            <a:xfrm>
-              <a:off x="11753849" y="6438899"/>
-              <a:ext cx="133349" cy="133349"/>
-            </a:xfrm>
-            <a:prstGeom prst="rect">
-              <a:avLst/>
-            </a:prstGeom>
-          </p:spPr>
-        </p:pic>
-      </p:grpSp>
-      <p:sp>
-        <p:nvSpPr>
-          <p:cNvPr id="54" name="object 54"/>
-          <p:cNvSpPr txBox="1">
-            <a:spLocks noGrp="1"/>
-          </p:cNvSpPr>
-          <p:nvPr>
-            <p:ph type="ftr" sz="quarter" idx="5"/>
-          </p:nvPr>
-        </p:nvSpPr>
-        <p:spPr>
-          <a:xfrm>
-            <a:off x="4038600" y="6481196"/>
-            <a:ext cx="4114800" cy="117020"/>
-          </a:xfrm>
-          <a:prstGeom prst="rect">
-            <a:avLst/>
-          </a:prstGeom>
-        </p:spPr>
-        <p:txBody>
-          <a:bodyPr vert="horz" wrap="square" lIns="0" tIns="0" rIns="0" bIns="0" rtlCol="0" anchor="ctr">
-            <a:spAutoFit/>
-          </a:bodyPr>
-          <a:lstStyle/>
-          <a:p>
-            <a:pPr marL="12700">
-              <a:lnSpc>
-                <a:spcPts val="860"/>
-              </a:lnSpc>
-            </a:pPr>
-            <a:r>
-              <a:rPr spc="-10" dirty="0"/>
-              <a:t>Made </a:t>
-            </a:r>
-            <a:r>
-              <a:rPr dirty="0"/>
-              <a:t>with</a:t>
-            </a:r>
-            <a:r>
-              <a:rPr spc="-5" dirty="0"/>
-              <a:t> </a:t>
-            </a:r>
-            <a:r>
-              <a:rPr spc="-10" dirty="0"/>
-              <a:t>Genspark</a:t>
-            </a:r>
-          </a:p>
-        </p:txBody>
-      </p:sp>
-    </p:spTree>
-  </p:cSld>
-  <p:clrMapOvr>
-    <a:masterClrMapping/>
-  </p:clrMapOvr>
-</p:sld>
-</file>
-
-<file path=ppt/slides/slide7.xml><?xml version="1.0" encoding="utf-8"?>
 <p:sld xmlns:a="http://schemas.openxmlformats.org/drawingml/2006/main" xmlns:r="http://schemas.openxmlformats.org/officeDocument/2006/relationships" xmlns:p="http://schemas.openxmlformats.org/presentationml/2006/main">
   <p:cSld>
     <p:spTree>
